--- a/AES Project/IOT presentation.pptx
+++ b/AES Project/IOT presentation.pptx
@@ -5,19 +5,18 @@
     <p:sldMasterId id="2147483648" r:id="rId1"/>
   </p:sldMasterIdLst>
   <p:notesMasterIdLst>
-    <p:notesMasterId r:id="rId12"/>
+    <p:notesMasterId r:id="rId11"/>
   </p:notesMasterIdLst>
   <p:sldIdLst>
     <p:sldId id="261" r:id="rId2"/>
     <p:sldId id="288" r:id="rId3"/>
     <p:sldId id="294" r:id="rId4"/>
-    <p:sldId id="272" r:id="rId5"/>
-    <p:sldId id="296" r:id="rId6"/>
-    <p:sldId id="273" r:id="rId7"/>
-    <p:sldId id="284" r:id="rId8"/>
+    <p:sldId id="284" r:id="rId5"/>
+    <p:sldId id="272" r:id="rId6"/>
+    <p:sldId id="296" r:id="rId7"/>
+    <p:sldId id="273" r:id="rId8"/>
     <p:sldId id="263" r:id="rId9"/>
     <p:sldId id="290" r:id="rId10"/>
-    <p:sldId id="285" r:id="rId11"/>
   </p:sldIdLst>
   <p:sldSz cx="12192000" cy="6858000"/>
   <p:notesSz cx="6858000" cy="9144000"/>
@@ -4411,184 +4410,6 @@
 </p:sld>
 </file>
 
-<file path=ppt/slides/slide10.xml><?xml version="1.0" encoding="utf-8"?>
-<p:sld xmlns:a="http://schemas.openxmlformats.org/drawingml/2006/main" xmlns:r="http://schemas.openxmlformats.org/officeDocument/2006/relationships" xmlns:p="http://schemas.openxmlformats.org/presentationml/2006/main">
-  <p:cSld>
-    <p:spTree>
-      <p:nvGrpSpPr>
-        <p:cNvPr id="1" name=""/>
-        <p:cNvGrpSpPr/>
-        <p:nvPr/>
-      </p:nvGrpSpPr>
-      <p:grpSpPr>
-        <a:xfrm>
-          <a:off x="0" y="0"/>
-          <a:ext cx="0" cy="0"/>
-          <a:chOff x="0" y="0"/>
-          <a:chExt cx="0" cy="0"/>
-        </a:xfrm>
-      </p:grpSpPr>
-      <p:sp>
-        <p:nvSpPr>
-          <p:cNvPr id="2" name="Title 1">
-            <a:extLst>
-              <a:ext uri="{FF2B5EF4-FFF2-40B4-BE49-F238E27FC236}">
-                <a16:creationId xmlns:a16="http://schemas.microsoft.com/office/drawing/2014/main" id="{A00B0BEC-850E-30A6-620D-E8612AF4B00F}"/>
-              </a:ext>
-            </a:extLst>
-          </p:cNvPr>
-          <p:cNvSpPr>
-            <a:spLocks noGrp="1"/>
-          </p:cNvSpPr>
-          <p:nvPr>
-            <p:ph type="title"/>
-          </p:nvPr>
-        </p:nvSpPr>
-        <p:spPr>
-          <a:xfrm>
-            <a:off x="333829" y="185909"/>
-            <a:ext cx="11136085" cy="1325563"/>
-          </a:xfrm>
-        </p:spPr>
-        <p:txBody>
-          <a:bodyPr>
-            <a:noAutofit/>
-          </a:bodyPr>
-          <a:lstStyle/>
-          <a:p>
-            <a:pPr algn="ctr"/>
-            <a:r>
-              <a:rPr lang="en-US" sz="4000" dirty="0">
-                <a:solidFill>
-                  <a:schemeClr val="accent1">
-                    <a:lumMod val="75000"/>
-                  </a:schemeClr>
-                </a:solidFill>
-                <a:latin typeface="Berlin Sans FB Demi"/>
-              </a:rPr>
-              <a:t>Implementation Results</a:t>
-            </a:r>
-          </a:p>
-        </p:txBody>
-      </p:sp>
-      <p:sp>
-        <p:nvSpPr>
-          <p:cNvPr id="3" name="Slide Number Placeholder 2">
-            <a:extLst>
-              <a:ext uri="{FF2B5EF4-FFF2-40B4-BE49-F238E27FC236}">
-                <a16:creationId xmlns:a16="http://schemas.microsoft.com/office/drawing/2014/main" id="{D540F6A9-8C65-AF86-E23A-44D4966617DE}"/>
-              </a:ext>
-            </a:extLst>
-          </p:cNvPr>
-          <p:cNvSpPr>
-            <a:spLocks noGrp="1"/>
-          </p:cNvSpPr>
-          <p:nvPr>
-            <p:ph type="sldNum" sz="quarter" idx="12"/>
-          </p:nvPr>
-        </p:nvSpPr>
-        <p:spPr/>
-        <p:txBody>
-          <a:bodyPr/>
-          <a:lstStyle/>
-          <a:p>
-            <a:fld id="{EC49354C-F492-4FD2-B82F-290D7D04AAC5}" type="slidenum">
-              <a:rPr lang="en-US" smtClean="0"/>
-              <a:t>10</a:t>
-            </a:fld>
-            <a:endParaRPr lang="en-US"/>
-          </a:p>
-        </p:txBody>
-      </p:sp>
-      <p:pic>
-        <p:nvPicPr>
-          <p:cNvPr id="8" name="Grafik 4" descr="Ein Bild, das Logo enthält.&#10;&#10;Beschreibung automatisch generiert.">
-            <a:extLst>
-              <a:ext uri="{FF2B5EF4-FFF2-40B4-BE49-F238E27FC236}">
-                <a16:creationId xmlns:a16="http://schemas.microsoft.com/office/drawing/2014/main" id="{7AA6C3F9-7160-DF0C-AC5A-62B5EF4A46D8}"/>
-              </a:ext>
-            </a:extLst>
-          </p:cNvPr>
-          <p:cNvPicPr>
-            <a:picLocks noChangeAspect="1"/>
-          </p:cNvPicPr>
-          <p:nvPr/>
-        </p:nvPicPr>
-        <p:blipFill>
-          <a:blip r:embed="rId2"/>
-          <a:stretch>
-            <a:fillRect/>
-          </a:stretch>
-        </p:blipFill>
-        <p:spPr>
-          <a:xfrm>
-            <a:off x="10846593" y="454818"/>
-            <a:ext cx="1000125" cy="638175"/>
-          </a:xfrm>
-          <a:prstGeom prst="rect">
-            <a:avLst/>
-          </a:prstGeom>
-        </p:spPr>
-      </p:pic>
-      <p:sp>
-        <p:nvSpPr>
-          <p:cNvPr id="7" name="TextBox 6">
-            <a:extLst>
-              <a:ext uri="{FF2B5EF4-FFF2-40B4-BE49-F238E27FC236}">
-                <a16:creationId xmlns:a16="http://schemas.microsoft.com/office/drawing/2014/main" id="{BB0A36BF-FFF6-4C4B-93F6-13C3D90C585B}"/>
-              </a:ext>
-            </a:extLst>
-          </p:cNvPr>
-          <p:cNvSpPr txBox="1"/>
-          <p:nvPr/>
-        </p:nvSpPr>
-        <p:spPr>
-          <a:xfrm flipH="1">
-            <a:off x="1137401" y="1511472"/>
-            <a:ext cx="3734113" cy="369332"/>
-          </a:xfrm>
-          <a:prstGeom prst="rect">
-            <a:avLst/>
-          </a:prstGeom>
-          <a:noFill/>
-        </p:spPr>
-        <p:txBody>
-          <a:bodyPr wrap="square" rtlCol="0">
-            <a:spAutoFit/>
-          </a:bodyPr>
-          <a:lstStyle/>
-          <a:p>
-            <a:pPr marL="285750" indent="-285750">
-              <a:buFont typeface="Arial" panose="020B0604020202020204" pitchFamily="34" charset="0"/>
-              <a:buChar char="•"/>
-            </a:pPr>
-            <a:r>
-              <a:rPr lang="de-DE" b="1" dirty="0" err="1"/>
-              <a:t>Recorded</a:t>
-            </a:r>
-            <a:r>
-              <a:rPr lang="de-DE" b="1" dirty="0"/>
-              <a:t> Video</a:t>
-            </a:r>
-          </a:p>
-        </p:txBody>
-      </p:sp>
-    </p:spTree>
-    <p:extLst>
-      <p:ext uri="{BB962C8B-B14F-4D97-AF65-F5344CB8AC3E}">
-        <p14:creationId xmlns:p14="http://schemas.microsoft.com/office/powerpoint/2010/main" val="2836149335"/>
-      </p:ext>
-    </p:extLst>
-  </p:cSld>
-  <p:clrMapOvr>
-    <a:masterClrMapping/>
-  </p:clrMapOvr>
-  <p:transition spd="slow">
-    <p:push dir="u"/>
-  </p:transition>
-</p:sld>
-</file>
-
 <file path=ppt/slides/slide2.xml><?xml version="1.0" encoding="utf-8"?>
 <p:sld xmlns:a="http://schemas.openxmlformats.org/drawingml/2006/main" xmlns:r="http://schemas.openxmlformats.org/officeDocument/2006/relationships" xmlns:p="http://schemas.openxmlformats.org/presentationml/2006/main">
   <p:cSld>
@@ -5345,49 +5166,6 @@
       </p:grpSpPr>
       <p:sp>
         <p:nvSpPr>
-          <p:cNvPr id="2" name="Title 1">
-            <a:extLst>
-              <a:ext uri="{FF2B5EF4-FFF2-40B4-BE49-F238E27FC236}">
-                <a16:creationId xmlns:a16="http://schemas.microsoft.com/office/drawing/2014/main" id="{A00B0BEC-850E-30A6-620D-E8612AF4B00F}"/>
-              </a:ext>
-            </a:extLst>
-          </p:cNvPr>
-          <p:cNvSpPr>
-            <a:spLocks noGrp="1"/>
-          </p:cNvSpPr>
-          <p:nvPr>
-            <p:ph type="title"/>
-          </p:nvPr>
-        </p:nvSpPr>
-        <p:spPr>
-          <a:xfrm>
-            <a:off x="333829" y="185909"/>
-            <a:ext cx="11136085" cy="1325563"/>
-          </a:xfrm>
-        </p:spPr>
-        <p:txBody>
-          <a:bodyPr>
-            <a:noAutofit/>
-          </a:bodyPr>
-          <a:lstStyle/>
-          <a:p>
-            <a:pPr algn="ctr"/>
-            <a:r>
-              <a:rPr lang="en-US" sz="4000" dirty="0">
-                <a:solidFill>
-                  <a:schemeClr val="accent1">
-                    <a:lumMod val="75000"/>
-                  </a:schemeClr>
-                </a:solidFill>
-                <a:latin typeface="Berlin Sans FB Demi"/>
-              </a:rPr>
-              <a:t>Used Hardware and Software</a:t>
-            </a:r>
-          </a:p>
-        </p:txBody>
-      </p:sp>
-      <p:sp>
-        <p:nvSpPr>
           <p:cNvPr id="3" name="Slide Number Placeholder 2">
             <a:extLst>
               <a:ext uri="{FF2B5EF4-FFF2-40B4-BE49-F238E27FC236}">
@@ -5415,54 +5193,12 @@
           </a:p>
         </p:txBody>
       </p:sp>
-      <p:sp>
-        <p:nvSpPr>
-          <p:cNvPr id="6" name="TextBox 4">
-            <a:extLst>
-              <a:ext uri="{FF2B5EF4-FFF2-40B4-BE49-F238E27FC236}">
-                <a16:creationId xmlns:a16="http://schemas.microsoft.com/office/drawing/2014/main" id="{FD6531DE-19D9-4617-8B6C-857211F7A174}"/>
-              </a:ext>
-            </a:extLst>
-          </p:cNvPr>
-          <p:cNvSpPr txBox="1"/>
-          <p:nvPr/>
-        </p:nvSpPr>
-        <p:spPr>
-          <a:xfrm>
-            <a:off x="794124" y="1508685"/>
-            <a:ext cx="5772150" cy="461665"/>
-          </a:xfrm>
-          <a:prstGeom prst="rect">
-            <a:avLst/>
-          </a:prstGeom>
-          <a:noFill/>
-        </p:spPr>
-        <p:txBody>
-          <a:bodyPr wrap="square" lIns="91440" tIns="45720" rIns="91440" bIns="45720" rtlCol="0" anchor="t">
-            <a:spAutoFit/>
-          </a:bodyPr>
-          <a:lstStyle/>
-          <a:p>
-            <a:pPr marL="342900" indent="-342900">
-              <a:buFont typeface="Arial"/>
-              <a:buChar char="•"/>
-            </a:pPr>
-            <a:r>
-              <a:rPr lang="en-US" sz="2400" b="1" dirty="0">
-                <a:ea typeface="Calibri" panose="020F0502020204030204"/>
-                <a:cs typeface="Calibri" panose="020F0502020204030204"/>
-              </a:rPr>
-              <a:t>Hardware :</a:t>
-            </a:r>
-          </a:p>
-        </p:txBody>
-      </p:sp>
       <p:pic>
         <p:nvPicPr>
-          <p:cNvPr id="12" name="Grafik 4" descr="Ein Bild, das Logo enthält.&#10;&#10;Beschreibung automatisch generiert.">
-            <a:extLst>
-              <a:ext uri="{FF2B5EF4-FFF2-40B4-BE49-F238E27FC236}">
-                <a16:creationId xmlns:a16="http://schemas.microsoft.com/office/drawing/2014/main" id="{BD78B51C-E7E6-3CA4-4788-7ADF67391A2B}"/>
+          <p:cNvPr id="8" name="Grafik 4" descr="Ein Bild, das Logo enthält.&#10;&#10;Beschreibung automatisch generiert.">
+            <a:extLst>
+              <a:ext uri="{FF2B5EF4-FFF2-40B4-BE49-F238E27FC236}">
+                <a16:creationId xmlns:a16="http://schemas.microsoft.com/office/drawing/2014/main" id="{124BF61B-C60F-D161-4311-E2992E38F4D1}"/>
               </a:ext>
             </a:extLst>
           </p:cNvPr>
@@ -5489,10 +5225,53 @@
       </p:pic>
       <p:sp>
         <p:nvSpPr>
-          <p:cNvPr id="4" name="TextBox 3">
-            <a:extLst>
-              <a:ext uri="{FF2B5EF4-FFF2-40B4-BE49-F238E27FC236}">
-                <a16:creationId xmlns:a16="http://schemas.microsoft.com/office/drawing/2014/main" id="{69BC6E3F-DCBD-46E5-AA81-270ACA13FE0F}"/>
+          <p:cNvPr id="10" name="Title 1">
+            <a:extLst>
+              <a:ext uri="{FF2B5EF4-FFF2-40B4-BE49-F238E27FC236}">
+                <a16:creationId xmlns:a16="http://schemas.microsoft.com/office/drawing/2014/main" id="{CC9F834E-9A28-419C-A3D9-0EB6C963ED4D}"/>
+              </a:ext>
+            </a:extLst>
+          </p:cNvPr>
+          <p:cNvSpPr>
+            <a:spLocks noGrp="1"/>
+          </p:cNvSpPr>
+          <p:nvPr>
+            <p:ph type="title"/>
+          </p:nvPr>
+        </p:nvSpPr>
+        <p:spPr>
+          <a:xfrm>
+            <a:off x="333829" y="185909"/>
+            <a:ext cx="11136085" cy="1325563"/>
+          </a:xfrm>
+        </p:spPr>
+        <p:txBody>
+          <a:bodyPr>
+            <a:noAutofit/>
+          </a:bodyPr>
+          <a:lstStyle/>
+          <a:p>
+            <a:pPr algn="ctr"/>
+            <a:r>
+              <a:rPr lang="en-US" sz="4000" dirty="0">
+                <a:solidFill>
+                  <a:schemeClr val="accent1">
+                    <a:lumMod val="75000"/>
+                  </a:schemeClr>
+                </a:solidFill>
+                <a:latin typeface="Berlin Sans FB Demi"/>
+              </a:rPr>
+              <a:t>System’s Concept</a:t>
+            </a:r>
+          </a:p>
+        </p:txBody>
+      </p:sp>
+      <p:sp>
+        <p:nvSpPr>
+          <p:cNvPr id="5" name="TextBox 4">
+            <a:extLst>
+              <a:ext uri="{FF2B5EF4-FFF2-40B4-BE49-F238E27FC236}">
+                <a16:creationId xmlns:a16="http://schemas.microsoft.com/office/drawing/2014/main" id="{94EB8089-BBBE-4DF8-BF1B-302CF3F55957}"/>
               </a:ext>
             </a:extLst>
           </p:cNvPr>
@@ -5501,8 +5280,8 @@
         </p:nvSpPr>
         <p:spPr>
           <a:xfrm>
-            <a:off x="1119674" y="2148653"/>
-            <a:ext cx="8332237" cy="2031325"/>
+            <a:off x="794124" y="1508685"/>
+            <a:ext cx="5772150" cy="461665"/>
           </a:xfrm>
           <a:prstGeom prst="rect">
             <a:avLst/>
@@ -5510,130 +5289,12 @@
           <a:noFill/>
         </p:spPr>
         <p:txBody>
-          <a:bodyPr wrap="square" rtlCol="0">
-            <a:spAutoFit/>
-          </a:bodyPr>
-          <a:lstStyle/>
-          <a:p>
-            <a:pPr marL="285750" indent="-285750" fontAlgn="base">
-              <a:buFont typeface="Wingdings" panose="05000000000000000000" pitchFamily="2" charset="2"/>
-              <a:buChar char="Ø"/>
-            </a:pPr>
-            <a:r>
-              <a:rPr lang="de-DE" dirty="0"/>
-              <a:t>1 x RGB LED </a:t>
-            </a:r>
-            <a:r>
-              <a:rPr lang="de-DE" dirty="0" err="1"/>
-              <a:t>Actuator</a:t>
-            </a:r>
-            <a:endParaRPr lang="de-DE" dirty="0"/>
-          </a:p>
-          <a:p>
-            <a:pPr marL="285750" indent="-285750" fontAlgn="base">
-              <a:buFont typeface="Wingdings" panose="05000000000000000000" pitchFamily="2" charset="2"/>
-              <a:buChar char="Ø"/>
-            </a:pPr>
-            <a:r>
-              <a:rPr lang="de-DE" dirty="0"/>
-              <a:t>1 X </a:t>
-            </a:r>
-            <a:r>
-              <a:rPr lang="de-DE" dirty="0" err="1"/>
-              <a:t>Humidity</a:t>
-            </a:r>
-            <a:r>
-              <a:rPr lang="de-DE" dirty="0"/>
-              <a:t>/</a:t>
-            </a:r>
-            <a:r>
-              <a:rPr lang="de-DE" dirty="0" err="1"/>
-              <a:t>Temperature</a:t>
-            </a:r>
-            <a:r>
-              <a:rPr lang="de-DE" dirty="0"/>
-              <a:t> Sensor</a:t>
-            </a:r>
-          </a:p>
-          <a:p>
-            <a:pPr marL="285750" indent="-285750" fontAlgn="base">
-              <a:buFont typeface="Wingdings" panose="05000000000000000000" pitchFamily="2" charset="2"/>
-              <a:buChar char="Ø"/>
-            </a:pPr>
-            <a:r>
-              <a:rPr lang="de-DE" dirty="0"/>
-              <a:t>1 x DC Motor</a:t>
-            </a:r>
-          </a:p>
-          <a:p>
-            <a:pPr marL="285750" indent="-285750" fontAlgn="base">
-              <a:buFont typeface="Wingdings" panose="05000000000000000000" pitchFamily="2" charset="2"/>
-              <a:buChar char="Ø"/>
-            </a:pPr>
-            <a:r>
-              <a:rPr lang="de-DE" dirty="0"/>
-              <a:t>1 X Raspberry Pi</a:t>
-            </a:r>
-          </a:p>
-          <a:p>
-            <a:pPr marL="285750" indent="-285750" fontAlgn="base">
-              <a:buFont typeface="Wingdings" panose="05000000000000000000" pitchFamily="2" charset="2"/>
-              <a:buChar char="Ø"/>
-            </a:pPr>
-            <a:r>
-              <a:rPr lang="de-DE" dirty="0"/>
-              <a:t>2 X Microcontrollers: Arduino Uno Wifi R2</a:t>
-            </a:r>
-          </a:p>
-          <a:p>
-            <a:pPr marL="285750" indent="-285750" fontAlgn="base">
-              <a:buFont typeface="Wingdings" panose="05000000000000000000" pitchFamily="2" charset="2"/>
-              <a:buChar char="Ø"/>
-            </a:pPr>
-            <a:r>
-              <a:rPr lang="de-DE" dirty="0"/>
-              <a:t>1 X </a:t>
-            </a:r>
-            <a:r>
-              <a:rPr lang="de-DE" dirty="0" err="1"/>
-              <a:t>SmartPhone</a:t>
-            </a:r>
-            <a:endParaRPr lang="de-DE" dirty="0"/>
-          </a:p>
-          <a:p>
-            <a:endParaRPr lang="de-DE" dirty="0"/>
-          </a:p>
-        </p:txBody>
-      </p:sp>
-      <p:sp>
-        <p:nvSpPr>
-          <p:cNvPr id="7" name="TextBox 4">
-            <a:extLst>
-              <a:ext uri="{FF2B5EF4-FFF2-40B4-BE49-F238E27FC236}">
-                <a16:creationId xmlns:a16="http://schemas.microsoft.com/office/drawing/2014/main" id="{71792D1D-F74F-4844-98E4-C0413459A356}"/>
-              </a:ext>
-            </a:extLst>
-          </p:cNvPr>
-          <p:cNvSpPr txBox="1"/>
-          <p:nvPr/>
-        </p:nvSpPr>
-        <p:spPr>
-          <a:xfrm>
-            <a:off x="794124" y="3849926"/>
-            <a:ext cx="5772150" cy="461665"/>
-          </a:xfrm>
-          <a:prstGeom prst="rect">
-            <a:avLst/>
-          </a:prstGeom>
-          <a:noFill/>
-        </p:spPr>
-        <p:txBody>
           <a:bodyPr wrap="square" lIns="91440" tIns="45720" rIns="91440" bIns="45720" rtlCol="0" anchor="t">
             <a:spAutoFit/>
           </a:bodyPr>
           <a:lstStyle/>
           <a:p>
-            <a:pPr marL="342900" indent="-342900">
+            <a:pPr marL="285750" indent="-285750">
               <a:buFont typeface="Arial"/>
               <a:buChar char="•"/>
             </a:pPr>
@@ -5642,91 +5303,51 @@
                 <a:ea typeface="Calibri" panose="020F0502020204030204"/>
                 <a:cs typeface="Calibri" panose="020F0502020204030204"/>
               </a:rPr>
-              <a:t>Software :</a:t>
-            </a:r>
-          </a:p>
-        </p:txBody>
-      </p:sp>
-      <p:sp>
-        <p:nvSpPr>
-          <p:cNvPr id="8" name="TextBox 7">
-            <a:extLst>
-              <a:ext uri="{FF2B5EF4-FFF2-40B4-BE49-F238E27FC236}">
-                <a16:creationId xmlns:a16="http://schemas.microsoft.com/office/drawing/2014/main" id="{B47411D1-60FB-4E99-B03B-D096B925CFD3}"/>
-              </a:ext>
-            </a:extLst>
-          </p:cNvPr>
-          <p:cNvSpPr txBox="1"/>
+              <a:t>Block Diagram</a:t>
+            </a:r>
+          </a:p>
+        </p:txBody>
+      </p:sp>
+      <p:pic>
+        <p:nvPicPr>
+          <p:cNvPr id="4" name="Picture 3">
+            <a:extLst>
+              <a:ext uri="{FF2B5EF4-FFF2-40B4-BE49-F238E27FC236}">
+                <a16:creationId xmlns:a16="http://schemas.microsoft.com/office/drawing/2014/main" id="{395D2B84-A523-412B-935A-A07D4FCC6F05}"/>
+              </a:ext>
+            </a:extLst>
+          </p:cNvPr>
+          <p:cNvPicPr>
+            <a:picLocks noChangeAspect="1"/>
+          </p:cNvPicPr>
           <p:nvPr/>
-        </p:nvSpPr>
+        </p:nvPicPr>
+        <p:blipFill>
+          <a:blip r:embed="rId3">
+            <a:extLst>
+              <a:ext uri="{28A0092B-C50C-407E-A947-70E740481C1C}">
+                <a14:useLocalDpi xmlns:a14="http://schemas.microsoft.com/office/drawing/2010/main" val="0"/>
+              </a:ext>
+            </a:extLst>
+          </a:blip>
+          <a:stretch>
+            <a:fillRect/>
+          </a:stretch>
+        </p:blipFill>
         <p:spPr>
           <a:xfrm>
-            <a:off x="1272073" y="4398341"/>
-            <a:ext cx="8332237" cy="923330"/>
+            <a:off x="2280116" y="2142437"/>
+            <a:ext cx="7243510" cy="4025347"/>
           </a:xfrm>
           <a:prstGeom prst="rect">
             <a:avLst/>
           </a:prstGeom>
-          <a:noFill/>
-        </p:spPr>
-        <p:txBody>
-          <a:bodyPr wrap="square" rtlCol="0">
-            <a:spAutoFit/>
-          </a:bodyPr>
-          <a:lstStyle/>
-          <a:p>
-            <a:pPr marL="285750" indent="-285750" fontAlgn="base">
-              <a:buFont typeface="Wingdings" panose="05000000000000000000" pitchFamily="2" charset="2"/>
-              <a:buChar char="Ø"/>
-            </a:pPr>
-            <a:r>
-              <a:rPr lang="de-DE" dirty="0"/>
-              <a:t>Raspberry Pi: Central </a:t>
-            </a:r>
-            <a:r>
-              <a:rPr lang="de-DE" dirty="0" err="1"/>
-              <a:t>station</a:t>
-            </a:r>
-            <a:r>
-              <a:rPr lang="de-DE" dirty="0"/>
-              <a:t> </a:t>
-            </a:r>
-          </a:p>
-          <a:p>
-            <a:pPr marL="285750" indent="-285750" fontAlgn="base">
-              <a:buFont typeface="Wingdings" panose="05000000000000000000" pitchFamily="2" charset="2"/>
-              <a:buChar char="Ø"/>
-            </a:pPr>
-            <a:r>
-              <a:rPr lang="de-DE" dirty="0"/>
-              <a:t>Arduino IDE</a:t>
-            </a:r>
-          </a:p>
-          <a:p>
-            <a:pPr marL="285750" indent="-285750" fontAlgn="base">
-              <a:buFont typeface="Wingdings" panose="05000000000000000000" pitchFamily="2" charset="2"/>
-              <a:buChar char="Ø"/>
-            </a:pPr>
-            <a:r>
-              <a:rPr lang="de-DE" dirty="0" err="1"/>
-              <a:t>Mqtt</a:t>
-            </a:r>
-            <a:r>
-              <a:rPr lang="de-DE" dirty="0"/>
-              <a:t> mobile </a:t>
-            </a:r>
-            <a:r>
-              <a:rPr lang="de-DE" dirty="0" err="1"/>
-              <a:t>application</a:t>
-            </a:r>
-            <a:endParaRPr lang="de-DE" dirty="0"/>
-          </a:p>
-        </p:txBody>
-      </p:sp>
+        </p:spPr>
+      </p:pic>
     </p:spTree>
     <p:extLst>
       <p:ext uri="{BB962C8B-B14F-4D97-AF65-F5344CB8AC3E}">
-        <p14:creationId xmlns:p14="http://schemas.microsoft.com/office/powerpoint/2010/main" val="1301841234"/>
+        <p14:creationId xmlns:p14="http://schemas.microsoft.com/office/powerpoint/2010/main" val="4102607408"/>
       </p:ext>
     </p:extLst>
   </p:cSld>
@@ -5794,7 +5415,7 @@
                 </a:solidFill>
                 <a:latin typeface="Berlin Sans FB Demi"/>
               </a:rPr>
-              <a:t>Parts of system</a:t>
+              <a:t>Used Hardware and Software</a:t>
             </a:r>
           </a:p>
         </p:txBody>
@@ -5830,10 +5451,10 @@
       </p:sp>
       <p:sp>
         <p:nvSpPr>
-          <p:cNvPr id="5" name="TextBox 4">
-            <a:extLst>
-              <a:ext uri="{FF2B5EF4-FFF2-40B4-BE49-F238E27FC236}">
-                <a16:creationId xmlns:a16="http://schemas.microsoft.com/office/drawing/2014/main" id="{267F4FD3-F501-9500-923C-CF55D7AC4DB6}"/>
+          <p:cNvPr id="6" name="TextBox 4">
+            <a:extLst>
+              <a:ext uri="{FF2B5EF4-FFF2-40B4-BE49-F238E27FC236}">
+                <a16:creationId xmlns:a16="http://schemas.microsoft.com/office/drawing/2014/main" id="{FD6531DE-19D9-4617-8B6C-857211F7A174}"/>
               </a:ext>
             </a:extLst>
           </p:cNvPr>
@@ -5861,49 +5482,21 @@
               <a:buChar char="•"/>
             </a:pPr>
             <a:r>
-              <a:rPr lang="de-DE" sz="2400" b="1" dirty="0">
+              <a:rPr lang="en-US" sz="2400" b="1" dirty="0">
                 <a:ea typeface="Calibri" panose="020F0502020204030204"/>
                 <a:cs typeface="Calibri" panose="020F0502020204030204"/>
               </a:rPr>
-              <a:t>Publisher (</a:t>
-            </a:r>
-            <a:r>
-              <a:rPr lang="de-DE" sz="2400" b="1" dirty="0" err="1">
-                <a:ea typeface="Calibri" panose="020F0502020204030204"/>
-                <a:cs typeface="Calibri" panose="020F0502020204030204"/>
-              </a:rPr>
-              <a:t>sensor</a:t>
-            </a:r>
-            <a:r>
-              <a:rPr lang="de-DE" sz="2400" b="1" dirty="0">
-                <a:ea typeface="Calibri" panose="020F0502020204030204"/>
-                <a:cs typeface="Calibri" panose="020F0502020204030204"/>
-              </a:rPr>
-              <a:t> </a:t>
-            </a:r>
-            <a:r>
-              <a:rPr lang="de-DE" sz="2400" b="1" dirty="0" err="1">
-                <a:ea typeface="Calibri" panose="020F0502020204030204"/>
-                <a:cs typeface="Calibri" panose="020F0502020204030204"/>
-              </a:rPr>
-              <a:t>unit</a:t>
-            </a:r>
-            <a:r>
-              <a:rPr lang="de-DE" sz="2400" b="1" dirty="0">
-                <a:ea typeface="Calibri" panose="020F0502020204030204"/>
-                <a:cs typeface="Calibri" panose="020F0502020204030204"/>
-              </a:rPr>
-              <a:t>)</a:t>
+              <a:t>Hardware :</a:t>
             </a:r>
           </a:p>
         </p:txBody>
       </p:sp>
       <p:pic>
         <p:nvPicPr>
-          <p:cNvPr id="7" name="Grafik 4" descr="Ein Bild, das Logo enthält.&#10;&#10;Beschreibung automatisch generiert.">
-            <a:extLst>
-              <a:ext uri="{FF2B5EF4-FFF2-40B4-BE49-F238E27FC236}">
-                <a16:creationId xmlns:a16="http://schemas.microsoft.com/office/drawing/2014/main" id="{DACCB548-5064-EBF4-0C1D-7C31D119F52E}"/>
+          <p:cNvPr id="12" name="Grafik 4" descr="Ein Bild, das Logo enthält.&#10;&#10;Beschreibung automatisch generiert.">
+            <a:extLst>
+              <a:ext uri="{FF2B5EF4-FFF2-40B4-BE49-F238E27FC236}">
+                <a16:creationId xmlns:a16="http://schemas.microsoft.com/office/drawing/2014/main" id="{BD78B51C-E7E6-3CA4-4788-7ADF67391A2B}"/>
               </a:ext>
             </a:extLst>
           </p:cNvPr>
@@ -5928,48 +5521,12 @@
           </a:prstGeom>
         </p:spPr>
       </p:pic>
-      <p:pic>
-        <p:nvPicPr>
-          <p:cNvPr id="8" name="Picture 7">
-            <a:extLst>
-              <a:ext uri="{FF2B5EF4-FFF2-40B4-BE49-F238E27FC236}">
-                <a16:creationId xmlns:a16="http://schemas.microsoft.com/office/drawing/2014/main" id="{2A68194F-1AA0-48D7-8A30-2CC69F5C87A4}"/>
-              </a:ext>
-            </a:extLst>
-          </p:cNvPr>
-          <p:cNvPicPr>
-            <a:picLocks noChangeAspect="1"/>
-          </p:cNvPicPr>
-          <p:nvPr/>
-        </p:nvPicPr>
-        <p:blipFill>
-          <a:blip r:embed="rId3">
-            <a:extLst>
-              <a:ext uri="{28A0092B-C50C-407E-A947-70E740481C1C}">
-                <a14:useLocalDpi xmlns:a14="http://schemas.microsoft.com/office/drawing/2010/main" val="0"/>
-              </a:ext>
-            </a:extLst>
-          </a:blip>
-          <a:stretch>
-            <a:fillRect/>
-          </a:stretch>
-        </p:blipFill>
-        <p:spPr>
-          <a:xfrm>
-            <a:off x="6346516" y="2293073"/>
-            <a:ext cx="3945803" cy="2671382"/>
-          </a:xfrm>
-          <a:prstGeom prst="rect">
-            <a:avLst/>
-          </a:prstGeom>
-        </p:spPr>
-      </p:pic>
-      <p:sp>
-        <p:nvSpPr>
-          <p:cNvPr id="17" name="TextBox 16">
-            <a:extLst>
-              <a:ext uri="{FF2B5EF4-FFF2-40B4-BE49-F238E27FC236}">
-                <a16:creationId xmlns:a16="http://schemas.microsoft.com/office/drawing/2014/main" id="{AE7B4520-9740-42D4-A98B-E812A088848E}"/>
+      <p:sp>
+        <p:nvSpPr>
+          <p:cNvPr id="4" name="TextBox 3">
+            <a:extLst>
+              <a:ext uri="{FF2B5EF4-FFF2-40B4-BE49-F238E27FC236}">
+                <a16:creationId xmlns:a16="http://schemas.microsoft.com/office/drawing/2014/main" id="{69BC6E3F-DCBD-46E5-AA81-270ACA13FE0F}"/>
               </a:ext>
             </a:extLst>
           </p:cNvPr>
@@ -5977,9 +5534,9 @@
           <p:nvPr/>
         </p:nvSpPr>
         <p:spPr>
-          <a:xfrm flipH="1">
-            <a:off x="5177555" y="3510122"/>
-            <a:ext cx="514118" cy="584775"/>
+          <a:xfrm>
+            <a:off x="1119674" y="2148653"/>
+            <a:ext cx="8332237" cy="2031325"/>
           </a:xfrm>
           <a:prstGeom prst="rect">
             <a:avLst/>
@@ -5992,53 +5549,228 @@
           </a:bodyPr>
           <a:lstStyle/>
           <a:p>
-            <a:r>
-              <a:rPr lang="de-DE" sz="3200" b="1" dirty="0"/>
-              <a:t>+</a:t>
-            </a:r>
-          </a:p>
-        </p:txBody>
-      </p:sp>
-      <p:pic>
-        <p:nvPicPr>
-          <p:cNvPr id="6" name="Picture 5">
-            <a:extLst>
-              <a:ext uri="{FF2B5EF4-FFF2-40B4-BE49-F238E27FC236}">
-                <a16:creationId xmlns:a16="http://schemas.microsoft.com/office/drawing/2014/main" id="{6EA6B7DF-3A2F-4DEB-94D3-052F83C64DD0}"/>
-              </a:ext>
-            </a:extLst>
-          </p:cNvPr>
-          <p:cNvPicPr>
-            <a:picLocks noChangeAspect="1"/>
-          </p:cNvPicPr>
+            <a:pPr marL="285750" indent="-285750" fontAlgn="base">
+              <a:buFont typeface="Wingdings" panose="05000000000000000000" pitchFamily="2" charset="2"/>
+              <a:buChar char="Ø"/>
+            </a:pPr>
+            <a:r>
+              <a:rPr lang="de-DE" dirty="0"/>
+              <a:t>1 x RGB LED </a:t>
+            </a:r>
+            <a:r>
+              <a:rPr lang="de-DE" dirty="0" err="1"/>
+              <a:t>Actuator</a:t>
+            </a:r>
+            <a:endParaRPr lang="de-DE" dirty="0"/>
+          </a:p>
+          <a:p>
+            <a:pPr marL="285750" indent="-285750" fontAlgn="base">
+              <a:buFont typeface="Wingdings" panose="05000000000000000000" pitchFamily="2" charset="2"/>
+              <a:buChar char="Ø"/>
+            </a:pPr>
+            <a:r>
+              <a:rPr lang="de-DE" dirty="0"/>
+              <a:t>1 X </a:t>
+            </a:r>
+            <a:r>
+              <a:rPr lang="de-DE" dirty="0" err="1"/>
+              <a:t>Humidity</a:t>
+            </a:r>
+            <a:r>
+              <a:rPr lang="de-DE" dirty="0"/>
+              <a:t>/</a:t>
+            </a:r>
+            <a:r>
+              <a:rPr lang="de-DE" dirty="0" err="1"/>
+              <a:t>Temperature</a:t>
+            </a:r>
+            <a:r>
+              <a:rPr lang="de-DE" dirty="0"/>
+              <a:t> Sensor</a:t>
+            </a:r>
+          </a:p>
+          <a:p>
+            <a:pPr marL="285750" indent="-285750" fontAlgn="base">
+              <a:buFont typeface="Wingdings" panose="05000000000000000000" pitchFamily="2" charset="2"/>
+              <a:buChar char="Ø"/>
+            </a:pPr>
+            <a:r>
+              <a:rPr lang="de-DE" dirty="0"/>
+              <a:t>1 x DC Motor</a:t>
+            </a:r>
+          </a:p>
+          <a:p>
+            <a:pPr marL="285750" indent="-285750" fontAlgn="base">
+              <a:buFont typeface="Wingdings" panose="05000000000000000000" pitchFamily="2" charset="2"/>
+              <a:buChar char="Ø"/>
+            </a:pPr>
+            <a:r>
+              <a:rPr lang="de-DE" dirty="0"/>
+              <a:t>1 X Raspberry Pi</a:t>
+            </a:r>
+          </a:p>
+          <a:p>
+            <a:pPr marL="285750" indent="-285750" fontAlgn="base">
+              <a:buFont typeface="Wingdings" panose="05000000000000000000" pitchFamily="2" charset="2"/>
+              <a:buChar char="Ø"/>
+            </a:pPr>
+            <a:r>
+              <a:rPr lang="de-DE" dirty="0"/>
+              <a:t>2 X Microcontrollers: Arduino Uno Wifi R2</a:t>
+            </a:r>
+          </a:p>
+          <a:p>
+            <a:pPr marL="285750" indent="-285750" fontAlgn="base">
+              <a:buFont typeface="Wingdings" panose="05000000000000000000" pitchFamily="2" charset="2"/>
+              <a:buChar char="Ø"/>
+            </a:pPr>
+            <a:r>
+              <a:rPr lang="de-DE" dirty="0"/>
+              <a:t>1 X </a:t>
+            </a:r>
+            <a:r>
+              <a:rPr lang="de-DE" dirty="0" err="1"/>
+              <a:t>SmartPhone</a:t>
+            </a:r>
+            <a:endParaRPr lang="de-DE" dirty="0"/>
+          </a:p>
+          <a:p>
+            <a:endParaRPr lang="de-DE" dirty="0"/>
+          </a:p>
+        </p:txBody>
+      </p:sp>
+      <p:sp>
+        <p:nvSpPr>
+          <p:cNvPr id="7" name="TextBox 4">
+            <a:extLst>
+              <a:ext uri="{FF2B5EF4-FFF2-40B4-BE49-F238E27FC236}">
+                <a16:creationId xmlns:a16="http://schemas.microsoft.com/office/drawing/2014/main" id="{71792D1D-F74F-4844-98E4-C0413459A356}"/>
+              </a:ext>
+            </a:extLst>
+          </p:cNvPr>
+          <p:cNvSpPr txBox="1"/>
           <p:nvPr/>
-        </p:nvPicPr>
-        <p:blipFill>
-          <a:blip r:embed="rId4">
-            <a:extLst>
-              <a:ext uri="{28A0092B-C50C-407E-A947-70E740481C1C}">
-                <a14:useLocalDpi xmlns:a14="http://schemas.microsoft.com/office/drawing/2010/main" val="0"/>
-              </a:ext>
-            </a:extLst>
-          </a:blip>
-          <a:stretch>
-            <a:fillRect/>
-          </a:stretch>
-        </p:blipFill>
+        </p:nvSpPr>
         <p:spPr>
           <a:xfrm>
-            <a:off x="2453100" y="2860998"/>
-            <a:ext cx="2069612" cy="1776381"/>
+            <a:off x="794124" y="3849926"/>
+            <a:ext cx="5772150" cy="461665"/>
           </a:xfrm>
           <a:prstGeom prst="rect">
             <a:avLst/>
           </a:prstGeom>
-        </p:spPr>
-      </p:pic>
+          <a:noFill/>
+        </p:spPr>
+        <p:txBody>
+          <a:bodyPr wrap="square" lIns="91440" tIns="45720" rIns="91440" bIns="45720" rtlCol="0" anchor="t">
+            <a:spAutoFit/>
+          </a:bodyPr>
+          <a:lstStyle/>
+          <a:p>
+            <a:pPr marL="342900" indent="-342900">
+              <a:buFont typeface="Arial"/>
+              <a:buChar char="•"/>
+            </a:pPr>
+            <a:r>
+              <a:rPr lang="en-US" sz="2400" b="1" dirty="0">
+                <a:ea typeface="Calibri" panose="020F0502020204030204"/>
+                <a:cs typeface="Calibri" panose="020F0502020204030204"/>
+              </a:rPr>
+              <a:t>Software :</a:t>
+            </a:r>
+          </a:p>
+        </p:txBody>
+      </p:sp>
+      <p:sp>
+        <p:nvSpPr>
+          <p:cNvPr id="8" name="TextBox 7">
+            <a:extLst>
+              <a:ext uri="{FF2B5EF4-FFF2-40B4-BE49-F238E27FC236}">
+                <a16:creationId xmlns:a16="http://schemas.microsoft.com/office/drawing/2014/main" id="{B47411D1-60FB-4E99-B03B-D096B925CFD3}"/>
+              </a:ext>
+            </a:extLst>
+          </p:cNvPr>
+          <p:cNvSpPr txBox="1"/>
+          <p:nvPr/>
+        </p:nvSpPr>
+        <p:spPr>
+          <a:xfrm>
+            <a:off x="1272073" y="4398341"/>
+            <a:ext cx="8332237" cy="1200329"/>
+          </a:xfrm>
+          <a:prstGeom prst="rect">
+            <a:avLst/>
+          </a:prstGeom>
+          <a:noFill/>
+        </p:spPr>
+        <p:txBody>
+          <a:bodyPr wrap="square" rtlCol="0">
+            <a:spAutoFit/>
+          </a:bodyPr>
+          <a:lstStyle/>
+          <a:p>
+            <a:pPr marL="285750" indent="-285750" fontAlgn="base">
+              <a:buFont typeface="Wingdings" panose="05000000000000000000" pitchFamily="2" charset="2"/>
+              <a:buChar char="Ø"/>
+            </a:pPr>
+            <a:r>
+              <a:rPr lang="de-DE" dirty="0"/>
+              <a:t>Raspberry Pi: Central </a:t>
+            </a:r>
+            <a:r>
+              <a:rPr lang="de-DE" dirty="0" err="1"/>
+              <a:t>station</a:t>
+            </a:r>
+            <a:r>
+              <a:rPr lang="de-DE" dirty="0"/>
+              <a:t> </a:t>
+            </a:r>
+          </a:p>
+          <a:p>
+            <a:pPr marL="285750" indent="-285750" fontAlgn="base">
+              <a:buFont typeface="Wingdings" panose="05000000000000000000" pitchFamily="2" charset="2"/>
+              <a:buChar char="Ø"/>
+            </a:pPr>
+            <a:r>
+              <a:rPr lang="de-DE" dirty="0"/>
+              <a:t>Arduino IDE</a:t>
+            </a:r>
+          </a:p>
+          <a:p>
+            <a:pPr marL="285750" indent="-285750" fontAlgn="base">
+              <a:buFont typeface="Wingdings" panose="05000000000000000000" pitchFamily="2" charset="2"/>
+              <a:buChar char="Ø"/>
+            </a:pPr>
+            <a:r>
+              <a:rPr lang="de-DE" dirty="0" err="1"/>
+              <a:t>Mqtt</a:t>
+            </a:r>
+            <a:r>
+              <a:rPr lang="de-DE" dirty="0"/>
+              <a:t> mobile </a:t>
+            </a:r>
+            <a:r>
+              <a:rPr lang="de-DE" dirty="0" err="1"/>
+              <a:t>application</a:t>
+            </a:r>
+            <a:endParaRPr lang="de-DE" dirty="0"/>
+          </a:p>
+          <a:p>
+            <a:pPr marL="285750" indent="-285750" fontAlgn="base">
+              <a:buFont typeface="Wingdings" panose="05000000000000000000" pitchFamily="2" charset="2"/>
+              <a:buChar char="Ø"/>
+            </a:pPr>
+            <a:r>
+              <a:rPr lang="de-DE" dirty="0"/>
+              <a:t>Cloud</a:t>
+            </a:r>
+          </a:p>
+        </p:txBody>
+      </p:sp>
     </p:spTree>
     <p:extLst>
       <p:ext uri="{BB962C8B-B14F-4D97-AF65-F5344CB8AC3E}">
-        <p14:creationId xmlns:p14="http://schemas.microsoft.com/office/powerpoint/2010/main" val="1061131380"/>
+        <p14:creationId xmlns:p14="http://schemas.microsoft.com/office/powerpoint/2010/main" val="1301841234"/>
       </p:ext>
     </p:extLst>
   </p:cSld>
@@ -6177,14 +5909,14 @@
                 <a:ea typeface="Calibri" panose="020F0502020204030204"/>
                 <a:cs typeface="Calibri" panose="020F0502020204030204"/>
               </a:rPr>
-              <a:t>Subscriber (</a:t>
+              <a:t>Publisher (</a:t>
             </a:r>
             <a:r>
               <a:rPr lang="de-DE" sz="2400" b="1" dirty="0" err="1">
                 <a:ea typeface="Calibri" panose="020F0502020204030204"/>
                 <a:cs typeface="Calibri" panose="020F0502020204030204"/>
               </a:rPr>
-              <a:t>Actuators</a:t>
+              <a:t>sensor</a:t>
             </a:r>
             <a:r>
               <a:rPr lang="de-DE" sz="2400" b="1" dirty="0">
@@ -6276,12 +6008,47 @@
           </a:prstGeom>
         </p:spPr>
       </p:pic>
+      <p:sp>
+        <p:nvSpPr>
+          <p:cNvPr id="17" name="TextBox 16">
+            <a:extLst>
+              <a:ext uri="{FF2B5EF4-FFF2-40B4-BE49-F238E27FC236}">
+                <a16:creationId xmlns:a16="http://schemas.microsoft.com/office/drawing/2014/main" id="{AE7B4520-9740-42D4-A98B-E812A088848E}"/>
+              </a:ext>
+            </a:extLst>
+          </p:cNvPr>
+          <p:cNvSpPr txBox="1"/>
+          <p:nvPr/>
+        </p:nvSpPr>
+        <p:spPr>
+          <a:xfrm flipH="1">
+            <a:off x="5177555" y="3510122"/>
+            <a:ext cx="514118" cy="584775"/>
+          </a:xfrm>
+          <a:prstGeom prst="rect">
+            <a:avLst/>
+          </a:prstGeom>
+          <a:noFill/>
+        </p:spPr>
+        <p:txBody>
+          <a:bodyPr wrap="square" rtlCol="0">
+            <a:spAutoFit/>
+          </a:bodyPr>
+          <a:lstStyle/>
+          <a:p>
+            <a:r>
+              <a:rPr lang="de-DE" sz="3200" b="1" dirty="0"/>
+              <a:t>+</a:t>
+            </a:r>
+          </a:p>
+        </p:txBody>
+      </p:sp>
       <p:pic>
         <p:nvPicPr>
-          <p:cNvPr id="12" name="Picture 11">
-            <a:extLst>
-              <a:ext uri="{FF2B5EF4-FFF2-40B4-BE49-F238E27FC236}">
-                <a16:creationId xmlns:a16="http://schemas.microsoft.com/office/drawing/2014/main" id="{92444424-5AF2-4E49-A284-9D1902672920}"/>
+          <p:cNvPr id="6" name="Picture 5">
+            <a:extLst>
+              <a:ext uri="{FF2B5EF4-FFF2-40B4-BE49-F238E27FC236}">
+                <a16:creationId xmlns:a16="http://schemas.microsoft.com/office/drawing/2014/main" id="{6EA6B7DF-3A2F-4DEB-94D3-052F83C64DD0}"/>
               </a:ext>
             </a:extLst>
           </p:cNvPr>
@@ -6304,89 +6071,18 @@
         </p:blipFill>
         <p:spPr>
           <a:xfrm>
-            <a:off x="1899681" y="2293073"/>
-            <a:ext cx="1879879" cy="1594929"/>
+            <a:off x="2453100" y="2860998"/>
+            <a:ext cx="2069612" cy="1776381"/>
           </a:xfrm>
           <a:prstGeom prst="rect">
             <a:avLst/>
           </a:prstGeom>
         </p:spPr>
       </p:pic>
-      <p:pic>
-        <p:nvPicPr>
-          <p:cNvPr id="16" name="Picture 15">
-            <a:extLst>
-              <a:ext uri="{FF2B5EF4-FFF2-40B4-BE49-F238E27FC236}">
-                <a16:creationId xmlns:a16="http://schemas.microsoft.com/office/drawing/2014/main" id="{C86D3F6A-FDC4-4C76-825D-E84B09023565}"/>
-              </a:ext>
-            </a:extLst>
-          </p:cNvPr>
-          <p:cNvPicPr>
-            <a:picLocks noChangeAspect="1"/>
-          </p:cNvPicPr>
-          <p:nvPr/>
-        </p:nvPicPr>
-        <p:blipFill>
-          <a:blip r:embed="rId5">
-            <a:extLst>
-              <a:ext uri="{28A0092B-C50C-407E-A947-70E740481C1C}">
-                <a14:useLocalDpi xmlns:a14="http://schemas.microsoft.com/office/drawing/2010/main" val="0"/>
-              </a:ext>
-            </a:extLst>
-          </a:blip>
-          <a:stretch>
-            <a:fillRect/>
-          </a:stretch>
-        </p:blipFill>
-        <p:spPr>
-          <a:xfrm>
-            <a:off x="1777518" y="4275281"/>
-            <a:ext cx="2336678" cy="1678277"/>
-          </a:xfrm>
-          <a:prstGeom prst="rect">
-            <a:avLst/>
-          </a:prstGeom>
-        </p:spPr>
-      </p:pic>
-      <p:sp>
-        <p:nvSpPr>
-          <p:cNvPr id="17" name="TextBox 16">
-            <a:extLst>
-              <a:ext uri="{FF2B5EF4-FFF2-40B4-BE49-F238E27FC236}">
-                <a16:creationId xmlns:a16="http://schemas.microsoft.com/office/drawing/2014/main" id="{AE7B4520-9740-42D4-A98B-E812A088848E}"/>
-              </a:ext>
-            </a:extLst>
-          </p:cNvPr>
-          <p:cNvSpPr txBox="1"/>
-          <p:nvPr/>
-        </p:nvSpPr>
-        <p:spPr>
-          <a:xfrm flipH="1">
-            <a:off x="5177555" y="3510122"/>
-            <a:ext cx="514118" cy="584775"/>
-          </a:xfrm>
-          <a:prstGeom prst="rect">
-            <a:avLst/>
-          </a:prstGeom>
-          <a:noFill/>
-        </p:spPr>
-        <p:txBody>
-          <a:bodyPr wrap="square" rtlCol="0">
-            <a:spAutoFit/>
-          </a:bodyPr>
-          <a:lstStyle/>
-          <a:p>
-            <a:r>
-              <a:rPr lang="de-DE" sz="3200" b="1" dirty="0"/>
-              <a:t>+</a:t>
-            </a:r>
-          </a:p>
-        </p:txBody>
-      </p:sp>
     </p:spTree>
     <p:extLst>
       <p:ext uri="{BB962C8B-B14F-4D97-AF65-F5344CB8AC3E}">
-        <p14:creationId xmlns:p14="http://schemas.microsoft.com/office/powerpoint/2010/main" val="173473400"/>
+        <p14:creationId xmlns:p14="http://schemas.microsoft.com/office/powerpoint/2010/main" val="1061131380"/>
       </p:ext>
     </p:extLst>
   </p:cSld>
@@ -6446,7 +6142,7 @@
           <a:p>
             <a:pPr algn="ctr"/>
             <a:r>
-              <a:rPr lang="en-US" sz="4000" dirty="0" err="1">
+              <a:rPr lang="en-US" sz="4000" dirty="0">
                 <a:solidFill>
                   <a:schemeClr val="accent1">
                     <a:lumMod val="75000"/>
@@ -6454,16 +6150,8 @@
                 </a:solidFill>
                 <a:latin typeface="Berlin Sans FB Demi"/>
               </a:rPr>
-              <a:t>Implemetation</a:t>
-            </a:r>
-            <a:endParaRPr lang="en-US" sz="4000" dirty="0">
-              <a:solidFill>
-                <a:schemeClr val="accent1">
-                  <a:lumMod val="75000"/>
-                </a:schemeClr>
-              </a:solidFill>
-              <a:latin typeface="Berlin Sans FB Demi"/>
-            </a:endParaRPr>
+              <a:t>Parts of system</a:t>
+            </a:r>
           </a:p>
         </p:txBody>
       </p:sp>
@@ -6496,12 +6184,82 @@
           </a:p>
         </p:txBody>
       </p:sp>
+      <p:sp>
+        <p:nvSpPr>
+          <p:cNvPr id="5" name="TextBox 4">
+            <a:extLst>
+              <a:ext uri="{FF2B5EF4-FFF2-40B4-BE49-F238E27FC236}">
+                <a16:creationId xmlns:a16="http://schemas.microsoft.com/office/drawing/2014/main" id="{267F4FD3-F501-9500-923C-CF55D7AC4DB6}"/>
+              </a:ext>
+            </a:extLst>
+          </p:cNvPr>
+          <p:cNvSpPr txBox="1"/>
+          <p:nvPr/>
+        </p:nvSpPr>
+        <p:spPr>
+          <a:xfrm>
+            <a:off x="794124" y="1508685"/>
+            <a:ext cx="5772150" cy="461665"/>
+          </a:xfrm>
+          <a:prstGeom prst="rect">
+            <a:avLst/>
+          </a:prstGeom>
+          <a:noFill/>
+        </p:spPr>
+        <p:txBody>
+          <a:bodyPr wrap="square" lIns="91440" tIns="45720" rIns="91440" bIns="45720" rtlCol="0" anchor="t">
+            <a:spAutoFit/>
+          </a:bodyPr>
+          <a:lstStyle/>
+          <a:p>
+            <a:pPr marL="342900" indent="-342900">
+              <a:buFont typeface="Arial"/>
+              <a:buChar char="•"/>
+            </a:pPr>
+            <a:r>
+              <a:rPr lang="de-DE" sz="2400" b="1" dirty="0">
+                <a:ea typeface="Calibri" panose="020F0502020204030204"/>
+                <a:cs typeface="Calibri" panose="020F0502020204030204"/>
+              </a:rPr>
+              <a:t>Subscriber (</a:t>
+            </a:r>
+            <a:r>
+              <a:rPr lang="de-DE" sz="2400" b="1" dirty="0" err="1">
+                <a:ea typeface="Calibri" panose="020F0502020204030204"/>
+                <a:cs typeface="Calibri" panose="020F0502020204030204"/>
+              </a:rPr>
+              <a:t>Actuators</a:t>
+            </a:r>
+            <a:r>
+              <a:rPr lang="de-DE" sz="2400" b="1" dirty="0">
+                <a:ea typeface="Calibri" panose="020F0502020204030204"/>
+                <a:cs typeface="Calibri" panose="020F0502020204030204"/>
+              </a:rPr>
+              <a:t> </a:t>
+            </a:r>
+            <a:r>
+              <a:rPr lang="de-DE" sz="2400" b="1" dirty="0" err="1">
+                <a:ea typeface="Calibri" panose="020F0502020204030204"/>
+                <a:cs typeface="Calibri" panose="020F0502020204030204"/>
+              </a:rPr>
+              <a:t>unit</a:t>
+            </a:r>
+            <a:r>
+              <a:rPr lang="de-DE" sz="2400" b="1" dirty="0">
+                <a:ea typeface="Calibri" panose="020F0502020204030204"/>
+                <a:cs typeface="Calibri" panose="020F0502020204030204"/>
+              </a:rPr>
+              <a:t>)</a:t>
+            </a:r>
+          </a:p>
+        </p:txBody>
+      </p:sp>
       <p:pic>
         <p:nvPicPr>
-          <p:cNvPr id="8" name="Grafik 4" descr="Ein Bild, das Logo enthält.&#10;&#10;Beschreibung automatisch generiert.">
-            <a:extLst>
-              <a:ext uri="{FF2B5EF4-FFF2-40B4-BE49-F238E27FC236}">
-                <a16:creationId xmlns:a16="http://schemas.microsoft.com/office/drawing/2014/main" id="{124BF61B-C60F-D161-4311-E2992E38F4D1}"/>
+          <p:cNvPr id="7" name="Grafik 4" descr="Ein Bild, das Logo enthält.&#10;&#10;Beschreibung automatisch generiert.">
+            <a:extLst>
+              <a:ext uri="{FF2B5EF4-FFF2-40B4-BE49-F238E27FC236}">
+                <a16:creationId xmlns:a16="http://schemas.microsoft.com/office/drawing/2014/main" id="{DACCB548-5064-EBF4-0C1D-7C31D119F52E}"/>
               </a:ext>
             </a:extLst>
           </p:cNvPr>
@@ -6526,12 +6284,120 @@
           </a:prstGeom>
         </p:spPr>
       </p:pic>
-      <p:sp>
-        <p:nvSpPr>
-          <p:cNvPr id="4" name="TextBox 3">
-            <a:extLst>
-              <a:ext uri="{FF2B5EF4-FFF2-40B4-BE49-F238E27FC236}">
-                <a16:creationId xmlns:a16="http://schemas.microsoft.com/office/drawing/2014/main" id="{E7162C2D-12DE-450B-A46E-74A3DDB2611B}"/>
+      <p:pic>
+        <p:nvPicPr>
+          <p:cNvPr id="8" name="Picture 7">
+            <a:extLst>
+              <a:ext uri="{FF2B5EF4-FFF2-40B4-BE49-F238E27FC236}">
+                <a16:creationId xmlns:a16="http://schemas.microsoft.com/office/drawing/2014/main" id="{2A68194F-1AA0-48D7-8A30-2CC69F5C87A4}"/>
+              </a:ext>
+            </a:extLst>
+          </p:cNvPr>
+          <p:cNvPicPr>
+            <a:picLocks noChangeAspect="1"/>
+          </p:cNvPicPr>
+          <p:nvPr/>
+        </p:nvPicPr>
+        <p:blipFill>
+          <a:blip r:embed="rId3">
+            <a:extLst>
+              <a:ext uri="{28A0092B-C50C-407E-A947-70E740481C1C}">
+                <a14:useLocalDpi xmlns:a14="http://schemas.microsoft.com/office/drawing/2010/main" val="0"/>
+              </a:ext>
+            </a:extLst>
+          </a:blip>
+          <a:stretch>
+            <a:fillRect/>
+          </a:stretch>
+        </p:blipFill>
+        <p:spPr>
+          <a:xfrm>
+            <a:off x="6346516" y="2293073"/>
+            <a:ext cx="3945803" cy="2671382"/>
+          </a:xfrm>
+          <a:prstGeom prst="rect">
+            <a:avLst/>
+          </a:prstGeom>
+        </p:spPr>
+      </p:pic>
+      <p:pic>
+        <p:nvPicPr>
+          <p:cNvPr id="12" name="Picture 11">
+            <a:extLst>
+              <a:ext uri="{FF2B5EF4-FFF2-40B4-BE49-F238E27FC236}">
+                <a16:creationId xmlns:a16="http://schemas.microsoft.com/office/drawing/2014/main" id="{92444424-5AF2-4E49-A284-9D1902672920}"/>
+              </a:ext>
+            </a:extLst>
+          </p:cNvPr>
+          <p:cNvPicPr>
+            <a:picLocks noChangeAspect="1"/>
+          </p:cNvPicPr>
+          <p:nvPr/>
+        </p:nvPicPr>
+        <p:blipFill>
+          <a:blip r:embed="rId4">
+            <a:extLst>
+              <a:ext uri="{28A0092B-C50C-407E-A947-70E740481C1C}">
+                <a14:useLocalDpi xmlns:a14="http://schemas.microsoft.com/office/drawing/2010/main" val="0"/>
+              </a:ext>
+            </a:extLst>
+          </a:blip>
+          <a:stretch>
+            <a:fillRect/>
+          </a:stretch>
+        </p:blipFill>
+        <p:spPr>
+          <a:xfrm>
+            <a:off x="1899681" y="2293073"/>
+            <a:ext cx="1879879" cy="1594929"/>
+          </a:xfrm>
+          <a:prstGeom prst="rect">
+            <a:avLst/>
+          </a:prstGeom>
+        </p:spPr>
+      </p:pic>
+      <p:pic>
+        <p:nvPicPr>
+          <p:cNvPr id="16" name="Picture 15">
+            <a:extLst>
+              <a:ext uri="{FF2B5EF4-FFF2-40B4-BE49-F238E27FC236}">
+                <a16:creationId xmlns:a16="http://schemas.microsoft.com/office/drawing/2014/main" id="{C86D3F6A-FDC4-4C76-825D-E84B09023565}"/>
+              </a:ext>
+            </a:extLst>
+          </p:cNvPr>
+          <p:cNvPicPr>
+            <a:picLocks noChangeAspect="1"/>
+          </p:cNvPicPr>
+          <p:nvPr/>
+        </p:nvPicPr>
+        <p:blipFill>
+          <a:blip r:embed="rId5">
+            <a:extLst>
+              <a:ext uri="{28A0092B-C50C-407E-A947-70E740481C1C}">
+                <a14:useLocalDpi xmlns:a14="http://schemas.microsoft.com/office/drawing/2010/main" val="0"/>
+              </a:ext>
+            </a:extLst>
+          </a:blip>
+          <a:stretch>
+            <a:fillRect/>
+          </a:stretch>
+        </p:blipFill>
+        <p:spPr>
+          <a:xfrm>
+            <a:off x="1777518" y="4275281"/>
+            <a:ext cx="2336678" cy="1678277"/>
+          </a:xfrm>
+          <a:prstGeom prst="rect">
+            <a:avLst/>
+          </a:prstGeom>
+        </p:spPr>
+      </p:pic>
+      <p:sp>
+        <p:nvSpPr>
+          <p:cNvPr id="17" name="TextBox 16">
+            <a:extLst>
+              <a:ext uri="{FF2B5EF4-FFF2-40B4-BE49-F238E27FC236}">
+                <a16:creationId xmlns:a16="http://schemas.microsoft.com/office/drawing/2014/main" id="{AE7B4520-9740-42D4-A98B-E812A088848E}"/>
               </a:ext>
             </a:extLst>
           </p:cNvPr>
@@ -6540,8 +6406,8 @@
         </p:nvSpPr>
         <p:spPr>
           <a:xfrm flipH="1">
-            <a:off x="1137401" y="1511472"/>
-            <a:ext cx="3734113" cy="369332"/>
+            <a:off x="5177555" y="3510122"/>
+            <a:ext cx="514118" cy="584775"/>
           </a:xfrm>
           <a:prstGeom prst="rect">
             <a:avLst/>
@@ -6554,25 +6420,9 @@
           </a:bodyPr>
           <a:lstStyle/>
           <a:p>
-            <a:pPr marL="285750" indent="-285750">
-              <a:buFont typeface="Arial" panose="020B0604020202020204" pitchFamily="34" charset="0"/>
-              <a:buChar char="•"/>
-            </a:pPr>
-            <a:r>
-              <a:rPr lang="de-DE" b="1" dirty="0" err="1"/>
-              <a:t>Snipts</a:t>
-            </a:r>
-            <a:r>
-              <a:rPr lang="de-DE" b="1" dirty="0"/>
-              <a:t> </a:t>
-            </a:r>
-            <a:r>
-              <a:rPr lang="de-DE" b="1" dirty="0" err="1"/>
-              <a:t>of</a:t>
-            </a:r>
-            <a:r>
-              <a:rPr lang="de-DE" b="1" dirty="0"/>
-              <a:t> Arduino Code</a:t>
+            <a:r>
+              <a:rPr lang="de-DE" sz="3200" b="1" dirty="0"/>
+              <a:t>+</a:t>
             </a:r>
           </a:p>
         </p:txBody>
@@ -6580,7 +6430,7 @@
     </p:spTree>
     <p:extLst>
       <p:ext uri="{BB962C8B-B14F-4D97-AF65-F5344CB8AC3E}">
-        <p14:creationId xmlns:p14="http://schemas.microsoft.com/office/powerpoint/2010/main" val="4102607408"/>
+        <p14:creationId xmlns:p14="http://schemas.microsoft.com/office/powerpoint/2010/main" val="173473400"/>
       </p:ext>
     </p:extLst>
   </p:cSld>
@@ -6713,7 +6563,7 @@
                 </a:solidFill>
                 <a:latin typeface="Berlin Sans FB Demi"/>
               </a:rPr>
-              <a:t>REAL Testing of the System</a:t>
+              <a:t>REAL Time Testing of the System</a:t>
             </a:r>
             <a:endParaRPr lang="en-US" sz="5400" b="1" kern="1200" dirty="0">
               <a:solidFill>

--- a/AES Project/IOT presentation.pptx
+++ b/AES Project/IOT presentation.pptx
@@ -5,7 +5,7 @@
     <p:sldMasterId id="2147483648" r:id="rId1"/>
   </p:sldMasterIdLst>
   <p:notesMasterIdLst>
-    <p:notesMasterId r:id="rId11"/>
+    <p:notesMasterId r:id="rId12"/>
   </p:notesMasterIdLst>
   <p:sldIdLst>
     <p:sldId id="261" r:id="rId2"/>
@@ -15,8 +15,9 @@
     <p:sldId id="272" r:id="rId6"/>
     <p:sldId id="296" r:id="rId7"/>
     <p:sldId id="273" r:id="rId8"/>
-    <p:sldId id="263" r:id="rId9"/>
-    <p:sldId id="290" r:id="rId10"/>
+    <p:sldId id="297" r:id="rId9"/>
+    <p:sldId id="263" r:id="rId10"/>
+    <p:sldId id="290" r:id="rId11"/>
   </p:sldIdLst>
   <p:sldSz cx="12192000" cy="6858000"/>
   <p:notesSz cx="6858000" cy="9144000"/>
@@ -4226,30 +4227,12 @@
               <a:buChar char="•"/>
             </a:pPr>
             <a:r>
-              <a:rPr lang="de-DE" dirty="0" err="1">
-                <a:ea typeface="Calibri"/>
-                <a:cs typeface="Calibri"/>
-              </a:rPr>
-              <a:t>Jasmeet</a:t>
-            </a:r>
-            <a:r>
               <a:rPr lang="de-DE" dirty="0">
                 <a:ea typeface="Calibri"/>
                 <a:cs typeface="Calibri"/>
               </a:rPr>
-              <a:t> </a:t>
-            </a:r>
-            <a:r>
-              <a:rPr lang="de-DE" dirty="0" err="1">
-                <a:ea typeface="Calibri"/>
-                <a:cs typeface="Calibri"/>
-              </a:rPr>
-              <a:t>Matta</a:t>
-            </a:r>
-            <a:endParaRPr lang="de-DE" dirty="0">
-              <a:ea typeface="Calibri"/>
-              <a:cs typeface="Calibri"/>
-            </a:endParaRPr>
+              <a:t>Jasmeet Singh Matta</a:t>
+            </a:r>
           </a:p>
           <a:p>
             <a:pPr marL="285750" indent="-285750">
@@ -4405,6 +4388,819 @@
     </p:tnLst>
     <p:bldLst>
       <p:bldP spid="12" grpId="0"/>
+    </p:bldLst>
+  </p:timing>
+</p:sld>
+</file>
+
+<file path=ppt/slides/slide10.xml><?xml version="1.0" encoding="utf-8"?>
+<p:sld xmlns:a="http://schemas.openxmlformats.org/drawingml/2006/main" xmlns:r="http://schemas.openxmlformats.org/officeDocument/2006/relationships" xmlns:p="http://schemas.openxmlformats.org/presentationml/2006/main">
+  <p:cSld>
+    <p:bg>
+      <p:bgPr>
+        <a:solidFill>
+          <a:schemeClr val="bg1"/>
+        </a:solidFill>
+        <a:effectLst/>
+      </p:bgPr>
+    </p:bg>
+    <p:spTree>
+      <p:nvGrpSpPr>
+        <p:cNvPr id="1" name=""/>
+        <p:cNvGrpSpPr/>
+        <p:nvPr/>
+      </p:nvGrpSpPr>
+      <p:grpSpPr>
+        <a:xfrm>
+          <a:off x="0" y="0"/>
+          <a:ext cx="0" cy="0"/>
+          <a:chOff x="0" y="0"/>
+          <a:chExt cx="0" cy="0"/>
+        </a:xfrm>
+      </p:grpSpPr>
+      <p:sp useBgFill="1">
+        <p:nvSpPr>
+          <p:cNvPr id="11" name="Rectangle 10">
+            <a:extLst>
+              <a:ext uri="{FF2B5EF4-FFF2-40B4-BE49-F238E27FC236}">
+                <a16:creationId xmlns:a16="http://schemas.microsoft.com/office/drawing/2014/main" id="{FFD48BC7-DC40-47DE-87EE-9F4B6ECB9ABB}"/>
+              </a:ext>
+              <a:ext uri="{C183D7F6-B498-43B3-948B-1728B52AA6E4}">
+                <adec:decorative xmlns:adec="http://schemas.microsoft.com/office/drawing/2017/decorative" val="1"/>
+              </a:ext>
+            </a:extLst>
+          </p:cNvPr>
+          <p:cNvSpPr>
+            <a:spLocks noGrp="1" noRot="1" noChangeAspect="1" noMove="1" noResize="1" noEditPoints="1" noAdjustHandles="1" noChangeArrowheads="1" noChangeShapeType="1" noTextEdit="1"/>
+          </p:cNvSpPr>
+          <p:nvPr>
+            <p:extLst>
+              <p:ext uri="{386F3935-93C4-4BCD-93E2-E3B085C9AB24}">
+                <p16:designElem xmlns:p16="http://schemas.microsoft.com/office/powerpoint/2015/main" val="1"/>
+              </p:ext>
+            </p:extLst>
+          </p:nvPr>
+        </p:nvSpPr>
+        <p:spPr>
+          <a:xfrm>
+            <a:off x="0" y="0"/>
+            <a:ext cx="12192000" cy="6858000"/>
+          </a:xfrm>
+          <a:prstGeom prst="rect">
+            <a:avLst/>
+          </a:prstGeom>
+          <a:ln>
+            <a:noFill/>
+          </a:ln>
+        </p:spPr>
+        <p:style>
+          <a:lnRef idx="2">
+            <a:schemeClr val="accent1">
+              <a:shade val="50000"/>
+            </a:schemeClr>
+          </a:lnRef>
+          <a:fillRef idx="1">
+            <a:schemeClr val="accent1"/>
+          </a:fillRef>
+          <a:effectRef idx="0">
+            <a:schemeClr val="accent1"/>
+          </a:effectRef>
+          <a:fontRef idx="minor">
+            <a:schemeClr val="lt1"/>
+          </a:fontRef>
+        </p:style>
+        <p:txBody>
+          <a:bodyPr rtlCol="0" anchor="ctr"/>
+          <a:lstStyle/>
+          <a:p>
+            <a:pPr algn="ctr"/>
+            <a:endParaRPr lang="en-US"/>
+          </a:p>
+        </p:txBody>
+      </p:sp>
+      <p:sp useBgFill="1">
+        <p:nvSpPr>
+          <p:cNvPr id="13" name="Freeform: Shape 12">
+            <a:extLst>
+              <a:ext uri="{FF2B5EF4-FFF2-40B4-BE49-F238E27FC236}">
+                <a16:creationId xmlns:a16="http://schemas.microsoft.com/office/drawing/2014/main" id="{E502BBC7-2C76-46F3-BC24-5985BC13DB88}"/>
+              </a:ext>
+              <a:ext uri="{C183D7F6-B498-43B3-948B-1728B52AA6E4}">
+                <adec:decorative xmlns:adec="http://schemas.microsoft.com/office/drawing/2017/decorative" val="1"/>
+              </a:ext>
+            </a:extLst>
+          </p:cNvPr>
+          <p:cNvSpPr>
+            <a:spLocks noGrp="1" noRot="1" noChangeAspect="1" noMove="1" noResize="1" noEditPoints="1" noAdjustHandles="1" noChangeArrowheads="1" noChangeShapeType="1" noTextEdit="1"/>
+          </p:cNvSpPr>
+          <p:nvPr>
+            <p:extLst>
+              <p:ext uri="{386F3935-93C4-4BCD-93E2-E3B085C9AB24}">
+                <p16:designElem xmlns:p16="http://schemas.microsoft.com/office/powerpoint/2015/main" val="1"/>
+              </p:ext>
+            </p:extLst>
+          </p:nvPr>
+        </p:nvSpPr>
+        <p:spPr>
+          <a:xfrm>
+            <a:off x="1114425" y="0"/>
+            <a:ext cx="9963150" cy="6858000"/>
+          </a:xfrm>
+          <a:custGeom>
+            <a:avLst/>
+            <a:gdLst>
+              <a:gd name="connsiteX0" fmla="*/ 1595771 w 9963150"/>
+              <a:gd name="connsiteY0" fmla="*/ 0 h 6858000"/>
+              <a:gd name="connsiteX1" fmla="*/ 8367379 w 9963150"/>
+              <a:gd name="connsiteY1" fmla="*/ 0 h 6858000"/>
+              <a:gd name="connsiteX2" fmla="*/ 8504080 w 9963150"/>
+              <a:gd name="connsiteY2" fmla="*/ 130333 h 6858000"/>
+              <a:gd name="connsiteX3" fmla="*/ 9963150 w 9963150"/>
+              <a:gd name="connsiteY3" fmla="*/ 3652838 h 6858000"/>
+              <a:gd name="connsiteX4" fmla="*/ 8825600 w 9963150"/>
+              <a:gd name="connsiteY4" fmla="*/ 6821583 h 6858000"/>
+              <a:gd name="connsiteX5" fmla="*/ 8794055 w 9963150"/>
+              <a:gd name="connsiteY5" fmla="*/ 6858000 h 6858000"/>
+              <a:gd name="connsiteX6" fmla="*/ 1169096 w 9963150"/>
+              <a:gd name="connsiteY6" fmla="*/ 6858000 h 6858000"/>
+              <a:gd name="connsiteX7" fmla="*/ 1137550 w 9963150"/>
+              <a:gd name="connsiteY7" fmla="*/ 6821583 h 6858000"/>
+              <a:gd name="connsiteX8" fmla="*/ 0 w 9963150"/>
+              <a:gd name="connsiteY8" fmla="*/ 3652838 h 6858000"/>
+              <a:gd name="connsiteX9" fmla="*/ 1459070 w 9963150"/>
+              <a:gd name="connsiteY9" fmla="*/ 130333 h 6858000"/>
+            </a:gdLst>
+            <a:ahLst/>
+            <a:cxnLst>
+              <a:cxn ang="0">
+                <a:pos x="connsiteX0" y="connsiteY0"/>
+              </a:cxn>
+              <a:cxn ang="0">
+                <a:pos x="connsiteX1" y="connsiteY1"/>
+              </a:cxn>
+              <a:cxn ang="0">
+                <a:pos x="connsiteX2" y="connsiteY2"/>
+              </a:cxn>
+              <a:cxn ang="0">
+                <a:pos x="connsiteX3" y="connsiteY3"/>
+              </a:cxn>
+              <a:cxn ang="0">
+                <a:pos x="connsiteX4" y="connsiteY4"/>
+              </a:cxn>
+              <a:cxn ang="0">
+                <a:pos x="connsiteX5" y="connsiteY5"/>
+              </a:cxn>
+              <a:cxn ang="0">
+                <a:pos x="connsiteX6" y="connsiteY6"/>
+              </a:cxn>
+              <a:cxn ang="0">
+                <a:pos x="connsiteX7" y="connsiteY7"/>
+              </a:cxn>
+              <a:cxn ang="0">
+                <a:pos x="connsiteX8" y="connsiteY8"/>
+              </a:cxn>
+              <a:cxn ang="0">
+                <a:pos x="connsiteX9" y="connsiteY9"/>
+              </a:cxn>
+            </a:cxnLst>
+            <a:rect l="l" t="t" r="r" b="b"/>
+            <a:pathLst>
+              <a:path w="9963150" h="6858000">
+                <a:moveTo>
+                  <a:pt x="1595771" y="0"/>
+                </a:moveTo>
+                <a:lnTo>
+                  <a:pt x="8367379" y="0"/>
+                </a:lnTo>
+                <a:lnTo>
+                  <a:pt x="8504080" y="130333"/>
+                </a:lnTo>
+                <a:cubicBezTo>
+                  <a:pt x="9405568" y="1031820"/>
+                  <a:pt x="9963150" y="2277214"/>
+                  <a:pt x="9963150" y="3652838"/>
+                </a:cubicBezTo>
+                <a:cubicBezTo>
+                  <a:pt x="9963150" y="4856509"/>
+                  <a:pt x="9536251" y="5960473"/>
+                  <a:pt x="8825600" y="6821583"/>
+                </a:cubicBezTo>
+                <a:lnTo>
+                  <a:pt x="8794055" y="6858000"/>
+                </a:lnTo>
+                <a:lnTo>
+                  <a:pt x="1169096" y="6858000"/>
+                </a:lnTo>
+                <a:lnTo>
+                  <a:pt x="1137550" y="6821583"/>
+                </a:lnTo>
+                <a:cubicBezTo>
+                  <a:pt x="426899" y="5960473"/>
+                  <a:pt x="0" y="4856509"/>
+                  <a:pt x="0" y="3652838"/>
+                </a:cubicBezTo>
+                <a:cubicBezTo>
+                  <a:pt x="0" y="2277214"/>
+                  <a:pt x="557582" y="1031820"/>
+                  <a:pt x="1459070" y="130333"/>
+                </a:cubicBezTo>
+                <a:close/>
+              </a:path>
+            </a:pathLst>
+          </a:custGeom>
+          <a:ln w="9525">
+            <a:solidFill>
+              <a:srgbClr val="EFEFEF"/>
+            </a:solidFill>
+          </a:ln>
+          <a:effectLst>
+            <a:outerShdw blurRad="139700" sx="102000" sy="102000" algn="ctr" rotWithShape="0">
+              <a:schemeClr val="bg1">
+                <a:lumMod val="85000"/>
+                <a:alpha val="38000"/>
+              </a:schemeClr>
+            </a:outerShdw>
+          </a:effectLst>
+        </p:spPr>
+        <p:style>
+          <a:lnRef idx="2">
+            <a:schemeClr val="accent1">
+              <a:shade val="50000"/>
+            </a:schemeClr>
+          </a:lnRef>
+          <a:fillRef idx="1">
+            <a:schemeClr val="accent1"/>
+          </a:fillRef>
+          <a:effectRef idx="0">
+            <a:schemeClr val="accent1"/>
+          </a:effectRef>
+          <a:fontRef idx="minor">
+            <a:schemeClr val="lt1"/>
+          </a:fontRef>
+        </p:style>
+        <p:txBody>
+          <a:bodyPr wrap="square" rtlCol="0" anchor="ctr">
+            <a:noAutofit/>
+          </a:bodyPr>
+          <a:lstStyle/>
+          <a:p>
+            <a:pPr marL="0" marR="0" lvl="0" indent="0" algn="ctr" defTabSz="914400" rtl="0" eaLnBrk="1" fontAlgn="auto" latinLnBrk="0" hangingPunct="1">
+              <a:lnSpc>
+                <a:spcPct val="100000"/>
+              </a:lnSpc>
+              <a:spcBef>
+                <a:spcPts val="0"/>
+              </a:spcBef>
+              <a:spcAft>
+                <a:spcPts val="0"/>
+              </a:spcAft>
+              <a:buClrTx/>
+              <a:buSzTx/>
+              <a:buFontTx/>
+              <a:buNone/>
+              <a:tabLst/>
+              <a:defRPr/>
+            </a:pPr>
+            <a:endParaRPr kumimoji="0" lang="en-US" sz="1800" b="0" i="0" u="none" strike="noStrike" kern="1200" cap="none" spc="0" normalizeH="0" baseline="0" noProof="0">
+              <a:ln>
+                <a:noFill/>
+              </a:ln>
+              <a:solidFill>
+                <a:prstClr val="white"/>
+              </a:solidFill>
+              <a:effectLst/>
+              <a:uLnTx/>
+              <a:uFillTx/>
+              <a:latin typeface="Calibri" panose="020F0502020204030204"/>
+              <a:ea typeface="+mn-ea"/>
+              <a:cs typeface="+mn-cs"/>
+            </a:endParaRPr>
+          </a:p>
+        </p:txBody>
+      </p:sp>
+      <p:sp useBgFill="1">
+        <p:nvSpPr>
+          <p:cNvPr id="15" name="Freeform: Shape 14">
+            <a:extLst>
+              <a:ext uri="{FF2B5EF4-FFF2-40B4-BE49-F238E27FC236}">
+                <a16:creationId xmlns:a16="http://schemas.microsoft.com/office/drawing/2014/main" id="{C7F28D52-2A5F-4D23-81AE-7CB8B591C7AF}"/>
+              </a:ext>
+              <a:ext uri="{C183D7F6-B498-43B3-948B-1728B52AA6E4}">
+                <adec:decorative xmlns:adec="http://schemas.microsoft.com/office/drawing/2017/decorative" val="1"/>
+              </a:ext>
+            </a:extLst>
+          </p:cNvPr>
+          <p:cNvSpPr>
+            <a:spLocks noGrp="1" noRot="1" noChangeAspect="1" noMove="1" noResize="1" noEditPoints="1" noAdjustHandles="1" noChangeArrowheads="1" noChangeShapeType="1" noTextEdit="1"/>
+          </p:cNvSpPr>
+          <p:nvPr>
+            <p:extLst>
+              <p:ext uri="{386F3935-93C4-4BCD-93E2-E3B085C9AB24}">
+                <p16:designElem xmlns:p16="http://schemas.microsoft.com/office/powerpoint/2015/main" val="1"/>
+              </p:ext>
+            </p:extLst>
+          </p:nvPr>
+        </p:nvSpPr>
+        <p:spPr>
+          <a:xfrm>
+            <a:off x="1121664" y="0"/>
+            <a:ext cx="9948672" cy="6858000"/>
+          </a:xfrm>
+          <a:custGeom>
+            <a:avLst/>
+            <a:gdLst>
+              <a:gd name="connsiteX0" fmla="*/ 1595771 w 9963150"/>
+              <a:gd name="connsiteY0" fmla="*/ 0 h 6858000"/>
+              <a:gd name="connsiteX1" fmla="*/ 8367379 w 9963150"/>
+              <a:gd name="connsiteY1" fmla="*/ 0 h 6858000"/>
+              <a:gd name="connsiteX2" fmla="*/ 8504080 w 9963150"/>
+              <a:gd name="connsiteY2" fmla="*/ 130333 h 6858000"/>
+              <a:gd name="connsiteX3" fmla="*/ 9963150 w 9963150"/>
+              <a:gd name="connsiteY3" fmla="*/ 3652838 h 6858000"/>
+              <a:gd name="connsiteX4" fmla="*/ 8825600 w 9963150"/>
+              <a:gd name="connsiteY4" fmla="*/ 6821583 h 6858000"/>
+              <a:gd name="connsiteX5" fmla="*/ 8794055 w 9963150"/>
+              <a:gd name="connsiteY5" fmla="*/ 6858000 h 6858000"/>
+              <a:gd name="connsiteX6" fmla="*/ 1169096 w 9963150"/>
+              <a:gd name="connsiteY6" fmla="*/ 6858000 h 6858000"/>
+              <a:gd name="connsiteX7" fmla="*/ 1137550 w 9963150"/>
+              <a:gd name="connsiteY7" fmla="*/ 6821583 h 6858000"/>
+              <a:gd name="connsiteX8" fmla="*/ 0 w 9963150"/>
+              <a:gd name="connsiteY8" fmla="*/ 3652838 h 6858000"/>
+              <a:gd name="connsiteX9" fmla="*/ 1459070 w 9963150"/>
+              <a:gd name="connsiteY9" fmla="*/ 130333 h 6858000"/>
+            </a:gdLst>
+            <a:ahLst/>
+            <a:cxnLst>
+              <a:cxn ang="0">
+                <a:pos x="connsiteX0" y="connsiteY0"/>
+              </a:cxn>
+              <a:cxn ang="0">
+                <a:pos x="connsiteX1" y="connsiteY1"/>
+              </a:cxn>
+              <a:cxn ang="0">
+                <a:pos x="connsiteX2" y="connsiteY2"/>
+              </a:cxn>
+              <a:cxn ang="0">
+                <a:pos x="connsiteX3" y="connsiteY3"/>
+              </a:cxn>
+              <a:cxn ang="0">
+                <a:pos x="connsiteX4" y="connsiteY4"/>
+              </a:cxn>
+              <a:cxn ang="0">
+                <a:pos x="connsiteX5" y="connsiteY5"/>
+              </a:cxn>
+              <a:cxn ang="0">
+                <a:pos x="connsiteX6" y="connsiteY6"/>
+              </a:cxn>
+              <a:cxn ang="0">
+                <a:pos x="connsiteX7" y="connsiteY7"/>
+              </a:cxn>
+              <a:cxn ang="0">
+                <a:pos x="connsiteX8" y="connsiteY8"/>
+              </a:cxn>
+              <a:cxn ang="0">
+                <a:pos x="connsiteX9" y="connsiteY9"/>
+              </a:cxn>
+            </a:cxnLst>
+            <a:rect l="l" t="t" r="r" b="b"/>
+            <a:pathLst>
+              <a:path w="9963150" h="6858000">
+                <a:moveTo>
+                  <a:pt x="1595771" y="0"/>
+                </a:moveTo>
+                <a:lnTo>
+                  <a:pt x="8367379" y="0"/>
+                </a:lnTo>
+                <a:lnTo>
+                  <a:pt x="8504080" y="130333"/>
+                </a:lnTo>
+                <a:cubicBezTo>
+                  <a:pt x="9405568" y="1031820"/>
+                  <a:pt x="9963150" y="2277214"/>
+                  <a:pt x="9963150" y="3652838"/>
+                </a:cubicBezTo>
+                <a:cubicBezTo>
+                  <a:pt x="9963150" y="4856509"/>
+                  <a:pt x="9536251" y="5960473"/>
+                  <a:pt x="8825600" y="6821583"/>
+                </a:cubicBezTo>
+                <a:lnTo>
+                  <a:pt x="8794055" y="6858000"/>
+                </a:lnTo>
+                <a:lnTo>
+                  <a:pt x="1169096" y="6858000"/>
+                </a:lnTo>
+                <a:lnTo>
+                  <a:pt x="1137550" y="6821583"/>
+                </a:lnTo>
+                <a:cubicBezTo>
+                  <a:pt x="426899" y="5960473"/>
+                  <a:pt x="0" y="4856509"/>
+                  <a:pt x="0" y="3652838"/>
+                </a:cubicBezTo>
+                <a:cubicBezTo>
+                  <a:pt x="0" y="2277214"/>
+                  <a:pt x="557582" y="1031820"/>
+                  <a:pt x="1459070" y="130333"/>
+                </a:cubicBezTo>
+                <a:close/>
+              </a:path>
+            </a:pathLst>
+          </a:custGeom>
+          <a:ln w="9525">
+            <a:noFill/>
+          </a:ln>
+          <a:effectLst/>
+        </p:spPr>
+        <p:style>
+          <a:lnRef idx="2">
+            <a:schemeClr val="accent1">
+              <a:shade val="50000"/>
+            </a:schemeClr>
+          </a:lnRef>
+          <a:fillRef idx="1">
+            <a:schemeClr val="accent1"/>
+          </a:fillRef>
+          <a:effectRef idx="0">
+            <a:schemeClr val="accent1"/>
+          </a:effectRef>
+          <a:fontRef idx="minor">
+            <a:schemeClr val="lt1"/>
+          </a:fontRef>
+        </p:style>
+        <p:txBody>
+          <a:bodyPr wrap="square" rtlCol="0" anchor="ctr">
+            <a:noAutofit/>
+          </a:bodyPr>
+          <a:lstStyle/>
+          <a:p>
+            <a:pPr marL="0" marR="0" lvl="0" indent="0" algn="ctr" defTabSz="914400" rtl="0" eaLnBrk="1" fontAlgn="auto" latinLnBrk="0" hangingPunct="1">
+              <a:lnSpc>
+                <a:spcPct val="100000"/>
+              </a:lnSpc>
+              <a:spcBef>
+                <a:spcPts val="0"/>
+              </a:spcBef>
+              <a:spcAft>
+                <a:spcPts val="0"/>
+              </a:spcAft>
+              <a:buClrTx/>
+              <a:buSzTx/>
+              <a:buFontTx/>
+              <a:buNone/>
+              <a:tabLst/>
+              <a:defRPr/>
+            </a:pPr>
+            <a:endParaRPr kumimoji="0" lang="en-US" sz="1800" b="0" i="0" u="none" strike="noStrike" kern="1200" cap="none" spc="0" normalizeH="0" baseline="0" noProof="0">
+              <a:ln>
+                <a:noFill/>
+              </a:ln>
+              <a:solidFill>
+                <a:prstClr val="white"/>
+              </a:solidFill>
+              <a:effectLst/>
+              <a:uLnTx/>
+              <a:uFillTx/>
+              <a:latin typeface="Calibri" panose="020F0502020204030204"/>
+              <a:ea typeface="+mn-ea"/>
+              <a:cs typeface="+mn-cs"/>
+            </a:endParaRPr>
+          </a:p>
+        </p:txBody>
+      </p:sp>
+      <p:sp>
+        <p:nvSpPr>
+          <p:cNvPr id="2" name="Title 1">
+            <a:extLst>
+              <a:ext uri="{FF2B5EF4-FFF2-40B4-BE49-F238E27FC236}">
+                <a16:creationId xmlns:a16="http://schemas.microsoft.com/office/drawing/2014/main" id="{580CD673-4F1D-34AF-5596-B36FE7D40936}"/>
+              </a:ext>
+            </a:extLst>
+          </p:cNvPr>
+          <p:cNvSpPr>
+            <a:spLocks noGrp="1"/>
+          </p:cNvSpPr>
+          <p:nvPr>
+            <p:ph type="title"/>
+          </p:nvPr>
+        </p:nvSpPr>
+        <p:spPr>
+          <a:xfrm>
+            <a:off x="1571628" y="2047240"/>
+            <a:ext cx="9144000" cy="2764028"/>
+          </a:xfrm>
+        </p:spPr>
+        <p:txBody>
+          <a:bodyPr vert="horz" lIns="91440" tIns="45720" rIns="91440" bIns="45720" rtlCol="0" anchor="ctr">
+            <a:normAutofit/>
+          </a:bodyPr>
+          <a:lstStyle/>
+          <a:p>
+            <a:pPr algn="ctr"/>
+            <a:r>
+              <a:rPr lang="en-US" sz="5400" dirty="0">
+                <a:solidFill>
+                  <a:schemeClr val="accent1"/>
+                </a:solidFill>
+                <a:latin typeface="Berlin Sans FB Demi"/>
+              </a:rPr>
+              <a:t>Thank you</a:t>
+            </a:r>
+            <a:endParaRPr lang="en-US" sz="5400" kern="1200" dirty="0">
+              <a:solidFill>
+                <a:schemeClr val="accent1"/>
+              </a:solidFill>
+              <a:latin typeface="Berlin Sans FB Demi"/>
+            </a:endParaRPr>
+          </a:p>
+        </p:txBody>
+      </p:sp>
+      <p:sp>
+        <p:nvSpPr>
+          <p:cNvPr id="17" name="Rectangle 16">
+            <a:extLst>
+              <a:ext uri="{FF2B5EF4-FFF2-40B4-BE49-F238E27FC236}">
+                <a16:creationId xmlns:a16="http://schemas.microsoft.com/office/drawing/2014/main" id="{3629484E-3792-4B3D-89AD-7C8A1ED0E0D4}"/>
+              </a:ext>
+              <a:ext uri="{C183D7F6-B498-43B3-948B-1728B52AA6E4}">
+                <adec:decorative xmlns:adec="http://schemas.microsoft.com/office/drawing/2017/decorative" val="1"/>
+              </a:ext>
+            </a:extLst>
+          </p:cNvPr>
+          <p:cNvSpPr>
+            <a:spLocks noGrp="1" noRot="1" noChangeAspect="1" noMove="1" noResize="1" noEditPoints="1" noAdjustHandles="1" noChangeArrowheads="1" noChangeShapeType="1" noTextEdit="1"/>
+          </p:cNvSpPr>
+          <p:nvPr>
+            <p:extLst>
+              <p:ext uri="{386F3935-93C4-4BCD-93E2-E3B085C9AB24}">
+                <p16:designElem xmlns:p16="http://schemas.microsoft.com/office/powerpoint/2015/main" val="1"/>
+              </p:ext>
+            </p:extLst>
+          </p:nvPr>
+        </p:nvSpPr>
+        <p:spPr>
+          <a:xfrm>
+            <a:off x="3718560" y="5524786"/>
+            <a:ext cx="4754880" cy="27432"/>
+          </a:xfrm>
+          <a:prstGeom prst="rect">
+            <a:avLst/>
+          </a:prstGeom>
+          <a:solidFill>
+            <a:schemeClr val="accent2"/>
+          </a:solidFill>
+          <a:ln>
+            <a:noFill/>
+          </a:ln>
+        </p:spPr>
+        <p:style>
+          <a:lnRef idx="2">
+            <a:schemeClr val="accent1">
+              <a:shade val="50000"/>
+            </a:schemeClr>
+          </a:lnRef>
+          <a:fillRef idx="1">
+            <a:schemeClr val="accent1"/>
+          </a:fillRef>
+          <a:effectRef idx="0">
+            <a:schemeClr val="accent1"/>
+          </a:effectRef>
+          <a:fontRef idx="minor">
+            <a:schemeClr val="lt1"/>
+          </a:fontRef>
+        </p:style>
+        <p:txBody>
+          <a:bodyPr rtlCol="0" anchor="ctr"/>
+          <a:lstStyle/>
+          <a:p>
+            <a:pPr marL="0" marR="0" lvl="0" indent="0" algn="ctr" defTabSz="914400" rtl="0" eaLnBrk="1" fontAlgn="auto" latinLnBrk="0" hangingPunct="1">
+              <a:lnSpc>
+                <a:spcPct val="100000"/>
+              </a:lnSpc>
+              <a:spcBef>
+                <a:spcPts val="0"/>
+              </a:spcBef>
+              <a:spcAft>
+                <a:spcPts val="0"/>
+              </a:spcAft>
+              <a:buClrTx/>
+              <a:buSzTx/>
+              <a:buFontTx/>
+              <a:buNone/>
+              <a:tabLst/>
+              <a:defRPr/>
+            </a:pPr>
+            <a:endParaRPr kumimoji="0" lang="en-US" sz="1800" b="0" i="0" u="none" strike="noStrike" kern="1200" cap="none" spc="0" normalizeH="0" baseline="0" noProof="0">
+              <a:ln>
+                <a:noFill/>
+              </a:ln>
+              <a:solidFill>
+                <a:prstClr val="white"/>
+              </a:solidFill>
+              <a:effectLst/>
+              <a:uLnTx/>
+              <a:uFillTx/>
+              <a:latin typeface="Calibri" panose="020F0502020204030204"/>
+              <a:ea typeface="+mn-ea"/>
+              <a:cs typeface="+mn-cs"/>
+            </a:endParaRPr>
+          </a:p>
+        </p:txBody>
+      </p:sp>
+      <p:sp>
+        <p:nvSpPr>
+          <p:cNvPr id="4" name="Slide Number Placeholder 3">
+            <a:extLst>
+              <a:ext uri="{FF2B5EF4-FFF2-40B4-BE49-F238E27FC236}">
+                <a16:creationId xmlns:a16="http://schemas.microsoft.com/office/drawing/2014/main" id="{8168DA94-18ED-09D1-8C80-A6B8EFB4493B}"/>
+              </a:ext>
+            </a:extLst>
+          </p:cNvPr>
+          <p:cNvSpPr>
+            <a:spLocks noGrp="1"/>
+          </p:cNvSpPr>
+          <p:nvPr>
+            <p:ph type="sldNum" sz="quarter" idx="12"/>
+          </p:nvPr>
+        </p:nvSpPr>
+        <p:spPr>
+          <a:xfrm>
+            <a:off x="10489019" y="6356350"/>
+            <a:ext cx="1268818" cy="365125"/>
+          </a:xfrm>
+        </p:spPr>
+        <p:txBody>
+          <a:bodyPr vert="horz" lIns="91440" tIns="45720" rIns="91440" bIns="45720" rtlCol="0" anchor="ctr">
+            <a:normAutofit/>
+          </a:bodyPr>
+          <a:lstStyle/>
+          <a:p>
+            <a:pPr>
+              <a:spcAft>
+                <a:spcPts val="600"/>
+              </a:spcAft>
+            </a:pPr>
+            <a:fld id="{EC49354C-F492-4FD2-B82F-290D7D04AAC5}" type="slidenum">
+              <a:rPr lang="en-US">
+                <a:solidFill>
+                  <a:schemeClr val="tx1">
+                    <a:lumMod val="50000"/>
+                    <a:lumOff val="50000"/>
+                  </a:schemeClr>
+                </a:solidFill>
+              </a:rPr>
+              <a:pPr>
+                <a:spcAft>
+                  <a:spcPts val="600"/>
+                </a:spcAft>
+              </a:pPr>
+              <a:t>10</a:t>
+            </a:fld>
+            <a:endParaRPr lang="en-US">
+              <a:solidFill>
+                <a:schemeClr val="tx1">
+                  <a:lumMod val="50000"/>
+                  <a:lumOff val="50000"/>
+                </a:schemeClr>
+              </a:solidFill>
+            </a:endParaRPr>
+          </a:p>
+        </p:txBody>
+      </p:sp>
+      <p:pic>
+        <p:nvPicPr>
+          <p:cNvPr id="6" name="Grafik 4" descr="Ein Bild, das Logo enthält.&#10;&#10;Beschreibung automatisch generiert.">
+            <a:extLst>
+              <a:ext uri="{FF2B5EF4-FFF2-40B4-BE49-F238E27FC236}">
+                <a16:creationId xmlns:a16="http://schemas.microsoft.com/office/drawing/2014/main" id="{5BA1F6EF-0ADC-2290-8834-2234DD8E430A}"/>
+              </a:ext>
+            </a:extLst>
+          </p:cNvPr>
+          <p:cNvPicPr>
+            <a:picLocks noChangeAspect="1"/>
+          </p:cNvPicPr>
+          <p:nvPr/>
+        </p:nvPicPr>
+        <p:blipFill>
+          <a:blip r:embed="rId2"/>
+          <a:stretch>
+            <a:fillRect/>
+          </a:stretch>
+        </p:blipFill>
+        <p:spPr>
+          <a:xfrm>
+            <a:off x="10846593" y="454818"/>
+            <a:ext cx="1000125" cy="638175"/>
+          </a:xfrm>
+          <a:prstGeom prst="rect">
+            <a:avLst/>
+          </a:prstGeom>
+        </p:spPr>
+      </p:pic>
+    </p:spTree>
+    <p:extLst>
+      <p:ext uri="{BB962C8B-B14F-4D97-AF65-F5344CB8AC3E}">
+        <p14:creationId xmlns:p14="http://schemas.microsoft.com/office/powerpoint/2010/main" val="469236883"/>
+      </p:ext>
+    </p:extLst>
+  </p:cSld>
+  <p:clrMapOvr>
+    <a:masterClrMapping/>
+  </p:clrMapOvr>
+  <p:transition spd="slow">
+    <p:push dir="u"/>
+  </p:transition>
+  <p:timing>
+    <p:tnLst>
+      <p:par>
+        <p:cTn id="1" dur="indefinite" restart="never" nodeType="tmRoot">
+          <p:childTnLst>
+            <p:seq concurrent="1" nextAc="seek">
+              <p:cTn id="2" dur="indefinite" nodeType="mainSeq">
+                <p:childTnLst>
+                  <p:par>
+                    <p:cTn id="3" fill="hold">
+                      <p:stCondLst>
+                        <p:cond delay="indefinite"/>
+                        <p:cond evt="onBegin" delay="0">
+                          <p:tn val="2"/>
+                        </p:cond>
+                      </p:stCondLst>
+                      <p:childTnLst>
+                        <p:par>
+                          <p:cTn id="4" fill="hold">
+                            <p:stCondLst>
+                              <p:cond delay="0"/>
+                            </p:stCondLst>
+                            <p:childTnLst>
+                              <p:par>
+                                <p:cTn id="5" presetID="10" presetClass="entr" presetSubtype="0" fill="hold" grpId="0" nodeType="withEffect">
+                                  <p:stCondLst>
+                                    <p:cond delay="500"/>
+                                  </p:stCondLst>
+                                  <p:iterate>
+                                    <p:tmPct val="10000"/>
+                                  </p:iterate>
+                                  <p:childTnLst>
+                                    <p:set>
+                                      <p:cBhvr>
+                                        <p:cTn id="6" dur="1" fill="hold">
+                                          <p:stCondLst>
+                                            <p:cond delay="0"/>
+                                          </p:stCondLst>
+                                        </p:cTn>
+                                        <p:tgtEl>
+                                          <p:spTgt spid="2"/>
+                                        </p:tgtEl>
+                                        <p:attrNameLst>
+                                          <p:attrName>style.visibility</p:attrName>
+                                        </p:attrNameLst>
+                                      </p:cBhvr>
+                                      <p:to>
+                                        <p:strVal val="visible"/>
+                                      </p:to>
+                                    </p:set>
+                                    <p:animEffect transition="in" filter="fade">
+                                      <p:cBhvr>
+                                        <p:cTn id="7" dur="700"/>
+                                        <p:tgtEl>
+                                          <p:spTgt spid="2"/>
+                                        </p:tgtEl>
+                                      </p:cBhvr>
+                                    </p:animEffect>
+                                  </p:childTnLst>
+                                </p:cTn>
+                              </p:par>
+                            </p:childTnLst>
+                          </p:cTn>
+                        </p:par>
+                      </p:childTnLst>
+                    </p:cTn>
+                  </p:par>
+                </p:childTnLst>
+              </p:cTn>
+              <p:prevCondLst>
+                <p:cond evt="onPrev" delay="0">
+                  <p:tgtEl>
+                    <p:sldTgt/>
+                  </p:tgtEl>
+                </p:cond>
+              </p:prevCondLst>
+              <p:nextCondLst>
+                <p:cond evt="onNext" delay="0">
+                  <p:tgtEl>
+                    <p:sldTgt/>
+                  </p:tgtEl>
+                </p:cond>
+              </p:nextCondLst>
+            </p:seq>
+          </p:childTnLst>
+        </p:cTn>
+      </p:par>
+    </p:tnLst>
+    <p:bldLst>
+      <p:bldP spid="2" grpId="0"/>
     </p:bldLst>
   </p:timing>
 </p:sld>
@@ -6446,6 +7242,380 @@
 <file path=ppt/slides/slide8.xml><?xml version="1.0" encoding="utf-8"?>
 <p:sld xmlns:a="http://schemas.openxmlformats.org/drawingml/2006/main" xmlns:r="http://schemas.openxmlformats.org/officeDocument/2006/relationships" xmlns:p="http://schemas.openxmlformats.org/presentationml/2006/main">
   <p:cSld>
+    <p:spTree>
+      <p:nvGrpSpPr>
+        <p:cNvPr id="1" name=""/>
+        <p:cNvGrpSpPr/>
+        <p:nvPr/>
+      </p:nvGrpSpPr>
+      <p:grpSpPr>
+        <a:xfrm>
+          <a:off x="0" y="0"/>
+          <a:ext cx="0" cy="0"/>
+          <a:chOff x="0" y="0"/>
+          <a:chExt cx="0" cy="0"/>
+        </a:xfrm>
+      </p:grpSpPr>
+      <p:sp>
+        <p:nvSpPr>
+          <p:cNvPr id="5" name="TextBox 4">
+            <a:extLst>
+              <a:ext uri="{FF2B5EF4-FFF2-40B4-BE49-F238E27FC236}">
+                <a16:creationId xmlns:a16="http://schemas.microsoft.com/office/drawing/2014/main" id="{267F4FD3-F501-9500-923C-CF55D7AC4DB6}"/>
+              </a:ext>
+            </a:extLst>
+          </p:cNvPr>
+          <p:cNvSpPr txBox="1"/>
+          <p:nvPr/>
+        </p:nvSpPr>
+        <p:spPr>
+          <a:xfrm>
+            <a:off x="640080" y="2872899"/>
+            <a:ext cx="4243589" cy="3320668"/>
+          </a:xfrm>
+          <a:prstGeom prst="rect">
+            <a:avLst/>
+          </a:prstGeom>
+        </p:spPr>
+        <p:txBody>
+          <a:bodyPr vert="horz" lIns="91440" tIns="45720" rIns="91440" bIns="45720" rtlCol="0">
+            <a:normAutofit/>
+          </a:bodyPr>
+          <a:lstStyle/>
+          <a:p>
+            <a:pPr marL="342900" indent="-228600">
+              <a:lnSpc>
+                <a:spcPct val="90000"/>
+              </a:lnSpc>
+              <a:spcAft>
+                <a:spcPts val="600"/>
+              </a:spcAft>
+              <a:buFont typeface="Arial" panose="020B0604020202020204" pitchFamily="34" charset="0"/>
+              <a:buChar char="•"/>
+            </a:pPr>
+            <a:r>
+              <a:rPr lang="en-US" sz="2200" b="1"/>
+              <a:t>Cloud</a:t>
+            </a:r>
+          </a:p>
+        </p:txBody>
+      </p:sp>
+      <p:pic>
+        <p:nvPicPr>
+          <p:cNvPr id="6" name="Picture 5" descr="A picture containing text, electronics, computer, output device&#10;&#10;Description automatically generated">
+            <a:extLst>
+              <a:ext uri="{FF2B5EF4-FFF2-40B4-BE49-F238E27FC236}">
+                <a16:creationId xmlns:a16="http://schemas.microsoft.com/office/drawing/2014/main" id="{111B3A3E-D344-7C9C-1FAD-0DEFA41DC13D}"/>
+              </a:ext>
+            </a:extLst>
+          </p:cNvPr>
+          <p:cNvPicPr>
+            <a:picLocks noChangeAspect="1"/>
+          </p:cNvPicPr>
+          <p:nvPr/>
+        </p:nvPicPr>
+        <p:blipFill rotWithShape="1">
+          <a:blip r:embed="rId2">
+            <a:extLst>
+              <a:ext uri="{28A0092B-C50C-407E-A947-70E740481C1C}">
+                <a14:useLocalDpi xmlns:a14="http://schemas.microsoft.com/office/drawing/2010/main" val="0"/>
+              </a:ext>
+            </a:extLst>
+          </a:blip>
+          <a:srcRect l="3502" r="21270"/>
+          <a:stretch/>
+        </p:blipFill>
+        <p:spPr>
+          <a:xfrm>
+            <a:off x="5311702" y="10"/>
+            <a:ext cx="6878775" cy="6857990"/>
+          </a:xfrm>
+          <a:custGeom>
+            <a:avLst/>
+            <a:gdLst/>
+            <a:ahLst/>
+            <a:cxnLst/>
+            <a:rect l="l" t="t" r="r" b="b"/>
+            <a:pathLst>
+              <a:path w="6878775" h="6858000">
+                <a:moveTo>
+                  <a:pt x="1102973" y="0"/>
+                </a:moveTo>
+                <a:lnTo>
+                  <a:pt x="1160688" y="0"/>
+                </a:lnTo>
+                <a:lnTo>
+                  <a:pt x="983189" y="331786"/>
+                </a:lnTo>
+                <a:cubicBezTo>
+                  <a:pt x="914866" y="469145"/>
+                  <a:pt x="850355" y="608712"/>
+                  <a:pt x="789261" y="750263"/>
+                </a:cubicBezTo>
+                <a:cubicBezTo>
+                  <a:pt x="774307" y="784928"/>
+                  <a:pt x="759992" y="819849"/>
+                  <a:pt x="745295" y="854514"/>
+                </a:cubicBezTo>
+                <a:cubicBezTo>
+                  <a:pt x="756682" y="845393"/>
+                  <a:pt x="765489" y="833492"/>
+                  <a:pt x="770857" y="819975"/>
+                </a:cubicBezTo>
+                <a:cubicBezTo>
+                  <a:pt x="879943" y="589569"/>
+                  <a:pt x="999605" y="365513"/>
+                  <a:pt x="1131329" y="148742"/>
+                </a:cubicBezTo>
+                <a:lnTo>
+                  <a:pt x="1227589" y="0"/>
+                </a:lnTo>
+                <a:lnTo>
+                  <a:pt x="6878775" y="0"/>
+                </a:lnTo>
+                <a:lnTo>
+                  <a:pt x="6878775" y="6858000"/>
+                </a:lnTo>
+                <a:lnTo>
+                  <a:pt x="713521" y="6858000"/>
+                </a:lnTo>
+                <a:lnTo>
+                  <a:pt x="625642" y="6670527"/>
+                </a:lnTo>
+                <a:cubicBezTo>
+                  <a:pt x="507232" y="6398531"/>
+                  <a:pt x="403083" y="6118381"/>
+                  <a:pt x="312785" y="5830359"/>
+                </a:cubicBezTo>
+                <a:cubicBezTo>
+                  <a:pt x="278149" y="5719759"/>
+                  <a:pt x="248879" y="5607635"/>
+                  <a:pt x="212198" y="5480401"/>
+                </a:cubicBezTo>
+                <a:cubicBezTo>
+                  <a:pt x="212208" y="5491601"/>
+                  <a:pt x="212803" y="5502788"/>
+                  <a:pt x="213988" y="5513923"/>
+                </a:cubicBezTo>
+                <a:cubicBezTo>
+                  <a:pt x="264089" y="5723695"/>
+                  <a:pt x="307290" y="5935370"/>
+                  <a:pt x="365826" y="6142729"/>
+                </a:cubicBezTo>
+                <a:cubicBezTo>
+                  <a:pt x="433152" y="6380817"/>
+                  <a:pt x="510068" y="6614016"/>
+                  <a:pt x="597975" y="6841549"/>
+                </a:cubicBezTo>
+                <a:lnTo>
+                  <a:pt x="604824" y="6858000"/>
+                </a:lnTo>
+                <a:lnTo>
+                  <a:pt x="552056" y="6858000"/>
+                </a:lnTo>
+                <a:lnTo>
+                  <a:pt x="539576" y="6828295"/>
+                </a:lnTo>
+                <a:cubicBezTo>
+                  <a:pt x="380597" y="6414594"/>
+                  <a:pt x="260223" y="5988893"/>
+                  <a:pt x="171555" y="5552906"/>
+                </a:cubicBezTo>
+                <a:cubicBezTo>
+                  <a:pt x="91163" y="5157998"/>
+                  <a:pt x="43746" y="4758899"/>
+                  <a:pt x="12305" y="4357388"/>
+                </a:cubicBezTo>
+                <a:cubicBezTo>
+                  <a:pt x="-14281" y="4013908"/>
+                  <a:pt x="4507" y="3672965"/>
+                  <a:pt x="46684" y="3331516"/>
+                </a:cubicBezTo>
+                <a:cubicBezTo>
+                  <a:pt x="127203" y="2664286"/>
+                  <a:pt x="277819" y="2007265"/>
+                  <a:pt x="496065" y="1371196"/>
+                </a:cubicBezTo>
+                <a:cubicBezTo>
+                  <a:pt x="636273" y="966066"/>
+                  <a:pt x="800445" y="573253"/>
+                  <a:pt x="995723" y="196614"/>
+                </a:cubicBezTo>
+                <a:close/>
+              </a:path>
+            </a:pathLst>
+          </a:custGeom>
+        </p:spPr>
+      </p:pic>
+      <p:sp>
+        <p:nvSpPr>
+          <p:cNvPr id="3" name="Slide Number Placeholder 2">
+            <a:extLst>
+              <a:ext uri="{FF2B5EF4-FFF2-40B4-BE49-F238E27FC236}">
+                <a16:creationId xmlns:a16="http://schemas.microsoft.com/office/drawing/2014/main" id="{D540F6A9-8C65-AF86-E23A-44D4966617DE}"/>
+              </a:ext>
+            </a:extLst>
+          </p:cNvPr>
+          <p:cNvSpPr>
+            <a:spLocks noGrp="1"/>
+          </p:cNvSpPr>
+          <p:nvPr>
+            <p:ph type="sldNum" sz="quarter" idx="12"/>
+          </p:nvPr>
+        </p:nvSpPr>
+        <p:spPr>
+          <a:xfrm>
+            <a:off x="10439400" y="6356350"/>
+            <a:ext cx="914400" cy="365125"/>
+          </a:xfrm>
+        </p:spPr>
+        <p:txBody>
+          <a:bodyPr vert="horz" lIns="91440" tIns="45720" rIns="91440" bIns="45720" rtlCol="0" anchor="ctr">
+            <a:normAutofit/>
+          </a:bodyPr>
+          <a:lstStyle/>
+          <a:p>
+            <a:pPr>
+              <a:spcAft>
+                <a:spcPts val="600"/>
+              </a:spcAft>
+              <a:defRPr/>
+            </a:pPr>
+            <a:fld id="{EC49354C-F492-4FD2-B82F-290D7D04AAC5}" type="slidenum">
+              <a:rPr lang="en-US">
+                <a:solidFill>
+                  <a:srgbClr val="FFFFFF"/>
+                </a:solidFill>
+                <a:latin typeface="Calibri" panose="020F0502020204030204"/>
+              </a:rPr>
+              <a:pPr>
+                <a:spcAft>
+                  <a:spcPts val="600"/>
+                </a:spcAft>
+                <a:defRPr/>
+              </a:pPr>
+              <a:t>8</a:t>
+            </a:fld>
+            <a:endParaRPr lang="en-US">
+              <a:solidFill>
+                <a:srgbClr val="FFFFFF"/>
+              </a:solidFill>
+              <a:latin typeface="Calibri" panose="020F0502020204030204"/>
+            </a:endParaRPr>
+          </a:p>
+        </p:txBody>
+      </p:sp>
+      <p:pic>
+        <p:nvPicPr>
+          <p:cNvPr id="7" name="Grafik 4" descr="Ein Bild, das Logo enthält.&#10;&#10;Beschreibung automatisch generiert.">
+            <a:extLst>
+              <a:ext uri="{FF2B5EF4-FFF2-40B4-BE49-F238E27FC236}">
+                <a16:creationId xmlns:a16="http://schemas.microsoft.com/office/drawing/2014/main" id="{DACCB548-5064-EBF4-0C1D-7C31D119F52E}"/>
+              </a:ext>
+            </a:extLst>
+          </p:cNvPr>
+          <p:cNvPicPr>
+            <a:picLocks noChangeAspect="1"/>
+          </p:cNvPicPr>
+          <p:nvPr/>
+        </p:nvPicPr>
+        <p:blipFill>
+          <a:blip r:embed="rId3"/>
+          <a:stretch>
+            <a:fillRect/>
+          </a:stretch>
+        </p:blipFill>
+        <p:spPr>
+          <a:xfrm>
+            <a:off x="10846593" y="454818"/>
+            <a:ext cx="1000125" cy="638175"/>
+          </a:xfrm>
+          <a:prstGeom prst="rect">
+            <a:avLst/>
+          </a:prstGeom>
+        </p:spPr>
+      </p:pic>
+      <p:sp>
+        <p:nvSpPr>
+          <p:cNvPr id="9" name="Title 1">
+            <a:extLst>
+              <a:ext uri="{FF2B5EF4-FFF2-40B4-BE49-F238E27FC236}">
+                <a16:creationId xmlns:a16="http://schemas.microsoft.com/office/drawing/2014/main" id="{A67F9E23-9D8C-8C57-2A68-484D5124DA82}"/>
+              </a:ext>
+            </a:extLst>
+          </p:cNvPr>
+          <p:cNvSpPr txBox="1">
+            <a:spLocks/>
+          </p:cNvSpPr>
+          <p:nvPr/>
+        </p:nvSpPr>
+        <p:spPr>
+          <a:xfrm>
+            <a:off x="-3274610" y="1545684"/>
+            <a:ext cx="11136085" cy="1325563"/>
+          </a:xfrm>
+          <a:prstGeom prst="rect">
+            <a:avLst/>
+          </a:prstGeom>
+        </p:spPr>
+        <p:txBody>
+          <a:bodyPr vert="horz" lIns="91440" tIns="45720" rIns="91440" bIns="45720" rtlCol="0" anchor="ctr">
+            <a:noAutofit/>
+          </a:bodyPr>
+          <a:lstStyle>
+            <a:lvl1pPr algn="l" defTabSz="914400" rtl="0" eaLnBrk="1" latinLnBrk="0" hangingPunct="1">
+              <a:lnSpc>
+                <a:spcPct val="90000"/>
+              </a:lnSpc>
+              <a:spcBef>
+                <a:spcPct val="0"/>
+              </a:spcBef>
+              <a:buNone/>
+              <a:defRPr sz="4400" kern="1200">
+                <a:solidFill>
+                  <a:schemeClr val="tx1"/>
+                </a:solidFill>
+                <a:latin typeface="+mj-lt"/>
+                <a:ea typeface="+mj-ea"/>
+                <a:cs typeface="+mj-cs"/>
+              </a:defRPr>
+            </a:lvl1pPr>
+          </a:lstStyle>
+          <a:p>
+            <a:pPr algn="ctr"/>
+            <a:r>
+              <a:rPr lang="en-US" sz="4000" dirty="0">
+                <a:solidFill>
+                  <a:schemeClr val="accent1">
+                    <a:lumMod val="75000"/>
+                  </a:schemeClr>
+                </a:solidFill>
+                <a:latin typeface="Berlin Sans FB Demi"/>
+              </a:rPr>
+              <a:t>Parts of system</a:t>
+            </a:r>
+          </a:p>
+        </p:txBody>
+      </p:sp>
+    </p:spTree>
+    <p:extLst>
+      <p:ext uri="{BB962C8B-B14F-4D97-AF65-F5344CB8AC3E}">
+        <p14:creationId xmlns:p14="http://schemas.microsoft.com/office/powerpoint/2010/main" val="318493541"/>
+      </p:ext>
+    </p:extLst>
+  </p:cSld>
+  <p:clrMapOvr>
+    <a:masterClrMapping/>
+  </p:clrMapOvr>
+  <p:transition spd="slow">
+    <p:push dir="u"/>
+  </p:transition>
+</p:sld>
+</file>
+
+<file path=ppt/slides/slide9.xml><?xml version="1.0" encoding="utf-8"?>
+<p:sld xmlns:a="http://schemas.openxmlformats.org/drawingml/2006/main" xmlns:r="http://schemas.openxmlformats.org/officeDocument/2006/relationships" xmlns:p="http://schemas.openxmlformats.org/presentationml/2006/main">
+  <p:cSld>
     <p:bg>
       <p:bgPr>
         <a:solidFill>
@@ -6782,7 +7952,7 @@
                   <a:spcPts val="600"/>
                 </a:spcAft>
               </a:pPr>
-              <a:t>8</a:t>
+              <a:t>9</a:t>
             </a:fld>
             <a:endParaRPr lang="en-US">
               <a:solidFill>
@@ -6829,819 +7999,6 @@
     <p:extLst>
       <p:ext uri="{BB962C8B-B14F-4D97-AF65-F5344CB8AC3E}">
         <p14:creationId xmlns:p14="http://schemas.microsoft.com/office/powerpoint/2010/main" val="2827207092"/>
-      </p:ext>
-    </p:extLst>
-  </p:cSld>
-  <p:clrMapOvr>
-    <a:masterClrMapping/>
-  </p:clrMapOvr>
-  <p:transition spd="slow">
-    <p:push dir="u"/>
-  </p:transition>
-  <p:timing>
-    <p:tnLst>
-      <p:par>
-        <p:cTn id="1" dur="indefinite" restart="never" nodeType="tmRoot">
-          <p:childTnLst>
-            <p:seq concurrent="1" nextAc="seek">
-              <p:cTn id="2" dur="indefinite" nodeType="mainSeq">
-                <p:childTnLst>
-                  <p:par>
-                    <p:cTn id="3" fill="hold">
-                      <p:stCondLst>
-                        <p:cond delay="indefinite"/>
-                        <p:cond evt="onBegin" delay="0">
-                          <p:tn val="2"/>
-                        </p:cond>
-                      </p:stCondLst>
-                      <p:childTnLst>
-                        <p:par>
-                          <p:cTn id="4" fill="hold">
-                            <p:stCondLst>
-                              <p:cond delay="0"/>
-                            </p:stCondLst>
-                            <p:childTnLst>
-                              <p:par>
-                                <p:cTn id="5" presetID="10" presetClass="entr" presetSubtype="0" fill="hold" grpId="0" nodeType="withEffect">
-                                  <p:stCondLst>
-                                    <p:cond delay="500"/>
-                                  </p:stCondLst>
-                                  <p:iterate>
-                                    <p:tmPct val="10000"/>
-                                  </p:iterate>
-                                  <p:childTnLst>
-                                    <p:set>
-                                      <p:cBhvr>
-                                        <p:cTn id="6" dur="1" fill="hold">
-                                          <p:stCondLst>
-                                            <p:cond delay="0"/>
-                                          </p:stCondLst>
-                                        </p:cTn>
-                                        <p:tgtEl>
-                                          <p:spTgt spid="2"/>
-                                        </p:tgtEl>
-                                        <p:attrNameLst>
-                                          <p:attrName>style.visibility</p:attrName>
-                                        </p:attrNameLst>
-                                      </p:cBhvr>
-                                      <p:to>
-                                        <p:strVal val="visible"/>
-                                      </p:to>
-                                    </p:set>
-                                    <p:animEffect transition="in" filter="fade">
-                                      <p:cBhvr>
-                                        <p:cTn id="7" dur="700"/>
-                                        <p:tgtEl>
-                                          <p:spTgt spid="2"/>
-                                        </p:tgtEl>
-                                      </p:cBhvr>
-                                    </p:animEffect>
-                                  </p:childTnLst>
-                                </p:cTn>
-                              </p:par>
-                            </p:childTnLst>
-                          </p:cTn>
-                        </p:par>
-                      </p:childTnLst>
-                    </p:cTn>
-                  </p:par>
-                </p:childTnLst>
-              </p:cTn>
-              <p:prevCondLst>
-                <p:cond evt="onPrev" delay="0">
-                  <p:tgtEl>
-                    <p:sldTgt/>
-                  </p:tgtEl>
-                </p:cond>
-              </p:prevCondLst>
-              <p:nextCondLst>
-                <p:cond evt="onNext" delay="0">
-                  <p:tgtEl>
-                    <p:sldTgt/>
-                  </p:tgtEl>
-                </p:cond>
-              </p:nextCondLst>
-            </p:seq>
-          </p:childTnLst>
-        </p:cTn>
-      </p:par>
-    </p:tnLst>
-    <p:bldLst>
-      <p:bldP spid="2" grpId="0"/>
-    </p:bldLst>
-  </p:timing>
-</p:sld>
-</file>
-
-<file path=ppt/slides/slide9.xml><?xml version="1.0" encoding="utf-8"?>
-<p:sld xmlns:a="http://schemas.openxmlformats.org/drawingml/2006/main" xmlns:r="http://schemas.openxmlformats.org/officeDocument/2006/relationships" xmlns:p="http://schemas.openxmlformats.org/presentationml/2006/main">
-  <p:cSld>
-    <p:bg>
-      <p:bgPr>
-        <a:solidFill>
-          <a:schemeClr val="bg1"/>
-        </a:solidFill>
-        <a:effectLst/>
-      </p:bgPr>
-    </p:bg>
-    <p:spTree>
-      <p:nvGrpSpPr>
-        <p:cNvPr id="1" name=""/>
-        <p:cNvGrpSpPr/>
-        <p:nvPr/>
-      </p:nvGrpSpPr>
-      <p:grpSpPr>
-        <a:xfrm>
-          <a:off x="0" y="0"/>
-          <a:ext cx="0" cy="0"/>
-          <a:chOff x="0" y="0"/>
-          <a:chExt cx="0" cy="0"/>
-        </a:xfrm>
-      </p:grpSpPr>
-      <p:sp useBgFill="1">
-        <p:nvSpPr>
-          <p:cNvPr id="11" name="Rectangle 10">
-            <a:extLst>
-              <a:ext uri="{FF2B5EF4-FFF2-40B4-BE49-F238E27FC236}">
-                <a16:creationId xmlns:a16="http://schemas.microsoft.com/office/drawing/2014/main" id="{FFD48BC7-DC40-47DE-87EE-9F4B6ECB9ABB}"/>
-              </a:ext>
-              <a:ext uri="{C183D7F6-B498-43B3-948B-1728B52AA6E4}">
-                <adec:decorative xmlns:adec="http://schemas.microsoft.com/office/drawing/2017/decorative" val="1"/>
-              </a:ext>
-            </a:extLst>
-          </p:cNvPr>
-          <p:cNvSpPr>
-            <a:spLocks noGrp="1" noRot="1" noChangeAspect="1" noMove="1" noResize="1" noEditPoints="1" noAdjustHandles="1" noChangeArrowheads="1" noChangeShapeType="1" noTextEdit="1"/>
-          </p:cNvSpPr>
-          <p:nvPr>
-            <p:extLst>
-              <p:ext uri="{386F3935-93C4-4BCD-93E2-E3B085C9AB24}">
-                <p16:designElem xmlns:p16="http://schemas.microsoft.com/office/powerpoint/2015/main" val="1"/>
-              </p:ext>
-            </p:extLst>
-          </p:nvPr>
-        </p:nvSpPr>
-        <p:spPr>
-          <a:xfrm>
-            <a:off x="0" y="0"/>
-            <a:ext cx="12192000" cy="6858000"/>
-          </a:xfrm>
-          <a:prstGeom prst="rect">
-            <a:avLst/>
-          </a:prstGeom>
-          <a:ln>
-            <a:noFill/>
-          </a:ln>
-        </p:spPr>
-        <p:style>
-          <a:lnRef idx="2">
-            <a:schemeClr val="accent1">
-              <a:shade val="50000"/>
-            </a:schemeClr>
-          </a:lnRef>
-          <a:fillRef idx="1">
-            <a:schemeClr val="accent1"/>
-          </a:fillRef>
-          <a:effectRef idx="0">
-            <a:schemeClr val="accent1"/>
-          </a:effectRef>
-          <a:fontRef idx="minor">
-            <a:schemeClr val="lt1"/>
-          </a:fontRef>
-        </p:style>
-        <p:txBody>
-          <a:bodyPr rtlCol="0" anchor="ctr"/>
-          <a:lstStyle/>
-          <a:p>
-            <a:pPr algn="ctr"/>
-            <a:endParaRPr lang="en-US"/>
-          </a:p>
-        </p:txBody>
-      </p:sp>
-      <p:sp useBgFill="1">
-        <p:nvSpPr>
-          <p:cNvPr id="13" name="Freeform: Shape 12">
-            <a:extLst>
-              <a:ext uri="{FF2B5EF4-FFF2-40B4-BE49-F238E27FC236}">
-                <a16:creationId xmlns:a16="http://schemas.microsoft.com/office/drawing/2014/main" id="{E502BBC7-2C76-46F3-BC24-5985BC13DB88}"/>
-              </a:ext>
-              <a:ext uri="{C183D7F6-B498-43B3-948B-1728B52AA6E4}">
-                <adec:decorative xmlns:adec="http://schemas.microsoft.com/office/drawing/2017/decorative" val="1"/>
-              </a:ext>
-            </a:extLst>
-          </p:cNvPr>
-          <p:cNvSpPr>
-            <a:spLocks noGrp="1" noRot="1" noChangeAspect="1" noMove="1" noResize="1" noEditPoints="1" noAdjustHandles="1" noChangeArrowheads="1" noChangeShapeType="1" noTextEdit="1"/>
-          </p:cNvSpPr>
-          <p:nvPr>
-            <p:extLst>
-              <p:ext uri="{386F3935-93C4-4BCD-93E2-E3B085C9AB24}">
-                <p16:designElem xmlns:p16="http://schemas.microsoft.com/office/powerpoint/2015/main" val="1"/>
-              </p:ext>
-            </p:extLst>
-          </p:nvPr>
-        </p:nvSpPr>
-        <p:spPr>
-          <a:xfrm>
-            <a:off x="1114425" y="0"/>
-            <a:ext cx="9963150" cy="6858000"/>
-          </a:xfrm>
-          <a:custGeom>
-            <a:avLst/>
-            <a:gdLst>
-              <a:gd name="connsiteX0" fmla="*/ 1595771 w 9963150"/>
-              <a:gd name="connsiteY0" fmla="*/ 0 h 6858000"/>
-              <a:gd name="connsiteX1" fmla="*/ 8367379 w 9963150"/>
-              <a:gd name="connsiteY1" fmla="*/ 0 h 6858000"/>
-              <a:gd name="connsiteX2" fmla="*/ 8504080 w 9963150"/>
-              <a:gd name="connsiteY2" fmla="*/ 130333 h 6858000"/>
-              <a:gd name="connsiteX3" fmla="*/ 9963150 w 9963150"/>
-              <a:gd name="connsiteY3" fmla="*/ 3652838 h 6858000"/>
-              <a:gd name="connsiteX4" fmla="*/ 8825600 w 9963150"/>
-              <a:gd name="connsiteY4" fmla="*/ 6821583 h 6858000"/>
-              <a:gd name="connsiteX5" fmla="*/ 8794055 w 9963150"/>
-              <a:gd name="connsiteY5" fmla="*/ 6858000 h 6858000"/>
-              <a:gd name="connsiteX6" fmla="*/ 1169096 w 9963150"/>
-              <a:gd name="connsiteY6" fmla="*/ 6858000 h 6858000"/>
-              <a:gd name="connsiteX7" fmla="*/ 1137550 w 9963150"/>
-              <a:gd name="connsiteY7" fmla="*/ 6821583 h 6858000"/>
-              <a:gd name="connsiteX8" fmla="*/ 0 w 9963150"/>
-              <a:gd name="connsiteY8" fmla="*/ 3652838 h 6858000"/>
-              <a:gd name="connsiteX9" fmla="*/ 1459070 w 9963150"/>
-              <a:gd name="connsiteY9" fmla="*/ 130333 h 6858000"/>
-            </a:gdLst>
-            <a:ahLst/>
-            <a:cxnLst>
-              <a:cxn ang="0">
-                <a:pos x="connsiteX0" y="connsiteY0"/>
-              </a:cxn>
-              <a:cxn ang="0">
-                <a:pos x="connsiteX1" y="connsiteY1"/>
-              </a:cxn>
-              <a:cxn ang="0">
-                <a:pos x="connsiteX2" y="connsiteY2"/>
-              </a:cxn>
-              <a:cxn ang="0">
-                <a:pos x="connsiteX3" y="connsiteY3"/>
-              </a:cxn>
-              <a:cxn ang="0">
-                <a:pos x="connsiteX4" y="connsiteY4"/>
-              </a:cxn>
-              <a:cxn ang="0">
-                <a:pos x="connsiteX5" y="connsiteY5"/>
-              </a:cxn>
-              <a:cxn ang="0">
-                <a:pos x="connsiteX6" y="connsiteY6"/>
-              </a:cxn>
-              <a:cxn ang="0">
-                <a:pos x="connsiteX7" y="connsiteY7"/>
-              </a:cxn>
-              <a:cxn ang="0">
-                <a:pos x="connsiteX8" y="connsiteY8"/>
-              </a:cxn>
-              <a:cxn ang="0">
-                <a:pos x="connsiteX9" y="connsiteY9"/>
-              </a:cxn>
-            </a:cxnLst>
-            <a:rect l="l" t="t" r="r" b="b"/>
-            <a:pathLst>
-              <a:path w="9963150" h="6858000">
-                <a:moveTo>
-                  <a:pt x="1595771" y="0"/>
-                </a:moveTo>
-                <a:lnTo>
-                  <a:pt x="8367379" y="0"/>
-                </a:lnTo>
-                <a:lnTo>
-                  <a:pt x="8504080" y="130333"/>
-                </a:lnTo>
-                <a:cubicBezTo>
-                  <a:pt x="9405568" y="1031820"/>
-                  <a:pt x="9963150" y="2277214"/>
-                  <a:pt x="9963150" y="3652838"/>
-                </a:cubicBezTo>
-                <a:cubicBezTo>
-                  <a:pt x="9963150" y="4856509"/>
-                  <a:pt x="9536251" y="5960473"/>
-                  <a:pt x="8825600" y="6821583"/>
-                </a:cubicBezTo>
-                <a:lnTo>
-                  <a:pt x="8794055" y="6858000"/>
-                </a:lnTo>
-                <a:lnTo>
-                  <a:pt x="1169096" y="6858000"/>
-                </a:lnTo>
-                <a:lnTo>
-                  <a:pt x="1137550" y="6821583"/>
-                </a:lnTo>
-                <a:cubicBezTo>
-                  <a:pt x="426899" y="5960473"/>
-                  <a:pt x="0" y="4856509"/>
-                  <a:pt x="0" y="3652838"/>
-                </a:cubicBezTo>
-                <a:cubicBezTo>
-                  <a:pt x="0" y="2277214"/>
-                  <a:pt x="557582" y="1031820"/>
-                  <a:pt x="1459070" y="130333"/>
-                </a:cubicBezTo>
-                <a:close/>
-              </a:path>
-            </a:pathLst>
-          </a:custGeom>
-          <a:ln w="9525">
-            <a:solidFill>
-              <a:srgbClr val="EFEFEF"/>
-            </a:solidFill>
-          </a:ln>
-          <a:effectLst>
-            <a:outerShdw blurRad="139700" sx="102000" sy="102000" algn="ctr" rotWithShape="0">
-              <a:schemeClr val="bg1">
-                <a:lumMod val="85000"/>
-                <a:alpha val="38000"/>
-              </a:schemeClr>
-            </a:outerShdw>
-          </a:effectLst>
-        </p:spPr>
-        <p:style>
-          <a:lnRef idx="2">
-            <a:schemeClr val="accent1">
-              <a:shade val="50000"/>
-            </a:schemeClr>
-          </a:lnRef>
-          <a:fillRef idx="1">
-            <a:schemeClr val="accent1"/>
-          </a:fillRef>
-          <a:effectRef idx="0">
-            <a:schemeClr val="accent1"/>
-          </a:effectRef>
-          <a:fontRef idx="minor">
-            <a:schemeClr val="lt1"/>
-          </a:fontRef>
-        </p:style>
-        <p:txBody>
-          <a:bodyPr wrap="square" rtlCol="0" anchor="ctr">
-            <a:noAutofit/>
-          </a:bodyPr>
-          <a:lstStyle/>
-          <a:p>
-            <a:pPr marL="0" marR="0" lvl="0" indent="0" algn="ctr" defTabSz="914400" rtl="0" eaLnBrk="1" fontAlgn="auto" latinLnBrk="0" hangingPunct="1">
-              <a:lnSpc>
-                <a:spcPct val="100000"/>
-              </a:lnSpc>
-              <a:spcBef>
-                <a:spcPts val="0"/>
-              </a:spcBef>
-              <a:spcAft>
-                <a:spcPts val="0"/>
-              </a:spcAft>
-              <a:buClrTx/>
-              <a:buSzTx/>
-              <a:buFontTx/>
-              <a:buNone/>
-              <a:tabLst/>
-              <a:defRPr/>
-            </a:pPr>
-            <a:endParaRPr kumimoji="0" lang="en-US" sz="1800" b="0" i="0" u="none" strike="noStrike" kern="1200" cap="none" spc="0" normalizeH="0" baseline="0" noProof="0">
-              <a:ln>
-                <a:noFill/>
-              </a:ln>
-              <a:solidFill>
-                <a:prstClr val="white"/>
-              </a:solidFill>
-              <a:effectLst/>
-              <a:uLnTx/>
-              <a:uFillTx/>
-              <a:latin typeface="Calibri" panose="020F0502020204030204"/>
-              <a:ea typeface="+mn-ea"/>
-              <a:cs typeface="+mn-cs"/>
-            </a:endParaRPr>
-          </a:p>
-        </p:txBody>
-      </p:sp>
-      <p:sp useBgFill="1">
-        <p:nvSpPr>
-          <p:cNvPr id="15" name="Freeform: Shape 14">
-            <a:extLst>
-              <a:ext uri="{FF2B5EF4-FFF2-40B4-BE49-F238E27FC236}">
-                <a16:creationId xmlns:a16="http://schemas.microsoft.com/office/drawing/2014/main" id="{C7F28D52-2A5F-4D23-81AE-7CB8B591C7AF}"/>
-              </a:ext>
-              <a:ext uri="{C183D7F6-B498-43B3-948B-1728B52AA6E4}">
-                <adec:decorative xmlns:adec="http://schemas.microsoft.com/office/drawing/2017/decorative" val="1"/>
-              </a:ext>
-            </a:extLst>
-          </p:cNvPr>
-          <p:cNvSpPr>
-            <a:spLocks noGrp="1" noRot="1" noChangeAspect="1" noMove="1" noResize="1" noEditPoints="1" noAdjustHandles="1" noChangeArrowheads="1" noChangeShapeType="1" noTextEdit="1"/>
-          </p:cNvSpPr>
-          <p:nvPr>
-            <p:extLst>
-              <p:ext uri="{386F3935-93C4-4BCD-93E2-E3B085C9AB24}">
-                <p16:designElem xmlns:p16="http://schemas.microsoft.com/office/powerpoint/2015/main" val="1"/>
-              </p:ext>
-            </p:extLst>
-          </p:nvPr>
-        </p:nvSpPr>
-        <p:spPr>
-          <a:xfrm>
-            <a:off x="1121664" y="0"/>
-            <a:ext cx="9948672" cy="6858000"/>
-          </a:xfrm>
-          <a:custGeom>
-            <a:avLst/>
-            <a:gdLst>
-              <a:gd name="connsiteX0" fmla="*/ 1595771 w 9963150"/>
-              <a:gd name="connsiteY0" fmla="*/ 0 h 6858000"/>
-              <a:gd name="connsiteX1" fmla="*/ 8367379 w 9963150"/>
-              <a:gd name="connsiteY1" fmla="*/ 0 h 6858000"/>
-              <a:gd name="connsiteX2" fmla="*/ 8504080 w 9963150"/>
-              <a:gd name="connsiteY2" fmla="*/ 130333 h 6858000"/>
-              <a:gd name="connsiteX3" fmla="*/ 9963150 w 9963150"/>
-              <a:gd name="connsiteY3" fmla="*/ 3652838 h 6858000"/>
-              <a:gd name="connsiteX4" fmla="*/ 8825600 w 9963150"/>
-              <a:gd name="connsiteY4" fmla="*/ 6821583 h 6858000"/>
-              <a:gd name="connsiteX5" fmla="*/ 8794055 w 9963150"/>
-              <a:gd name="connsiteY5" fmla="*/ 6858000 h 6858000"/>
-              <a:gd name="connsiteX6" fmla="*/ 1169096 w 9963150"/>
-              <a:gd name="connsiteY6" fmla="*/ 6858000 h 6858000"/>
-              <a:gd name="connsiteX7" fmla="*/ 1137550 w 9963150"/>
-              <a:gd name="connsiteY7" fmla="*/ 6821583 h 6858000"/>
-              <a:gd name="connsiteX8" fmla="*/ 0 w 9963150"/>
-              <a:gd name="connsiteY8" fmla="*/ 3652838 h 6858000"/>
-              <a:gd name="connsiteX9" fmla="*/ 1459070 w 9963150"/>
-              <a:gd name="connsiteY9" fmla="*/ 130333 h 6858000"/>
-            </a:gdLst>
-            <a:ahLst/>
-            <a:cxnLst>
-              <a:cxn ang="0">
-                <a:pos x="connsiteX0" y="connsiteY0"/>
-              </a:cxn>
-              <a:cxn ang="0">
-                <a:pos x="connsiteX1" y="connsiteY1"/>
-              </a:cxn>
-              <a:cxn ang="0">
-                <a:pos x="connsiteX2" y="connsiteY2"/>
-              </a:cxn>
-              <a:cxn ang="0">
-                <a:pos x="connsiteX3" y="connsiteY3"/>
-              </a:cxn>
-              <a:cxn ang="0">
-                <a:pos x="connsiteX4" y="connsiteY4"/>
-              </a:cxn>
-              <a:cxn ang="0">
-                <a:pos x="connsiteX5" y="connsiteY5"/>
-              </a:cxn>
-              <a:cxn ang="0">
-                <a:pos x="connsiteX6" y="connsiteY6"/>
-              </a:cxn>
-              <a:cxn ang="0">
-                <a:pos x="connsiteX7" y="connsiteY7"/>
-              </a:cxn>
-              <a:cxn ang="0">
-                <a:pos x="connsiteX8" y="connsiteY8"/>
-              </a:cxn>
-              <a:cxn ang="0">
-                <a:pos x="connsiteX9" y="connsiteY9"/>
-              </a:cxn>
-            </a:cxnLst>
-            <a:rect l="l" t="t" r="r" b="b"/>
-            <a:pathLst>
-              <a:path w="9963150" h="6858000">
-                <a:moveTo>
-                  <a:pt x="1595771" y="0"/>
-                </a:moveTo>
-                <a:lnTo>
-                  <a:pt x="8367379" y="0"/>
-                </a:lnTo>
-                <a:lnTo>
-                  <a:pt x="8504080" y="130333"/>
-                </a:lnTo>
-                <a:cubicBezTo>
-                  <a:pt x="9405568" y="1031820"/>
-                  <a:pt x="9963150" y="2277214"/>
-                  <a:pt x="9963150" y="3652838"/>
-                </a:cubicBezTo>
-                <a:cubicBezTo>
-                  <a:pt x="9963150" y="4856509"/>
-                  <a:pt x="9536251" y="5960473"/>
-                  <a:pt x="8825600" y="6821583"/>
-                </a:cubicBezTo>
-                <a:lnTo>
-                  <a:pt x="8794055" y="6858000"/>
-                </a:lnTo>
-                <a:lnTo>
-                  <a:pt x="1169096" y="6858000"/>
-                </a:lnTo>
-                <a:lnTo>
-                  <a:pt x="1137550" y="6821583"/>
-                </a:lnTo>
-                <a:cubicBezTo>
-                  <a:pt x="426899" y="5960473"/>
-                  <a:pt x="0" y="4856509"/>
-                  <a:pt x="0" y="3652838"/>
-                </a:cubicBezTo>
-                <a:cubicBezTo>
-                  <a:pt x="0" y="2277214"/>
-                  <a:pt x="557582" y="1031820"/>
-                  <a:pt x="1459070" y="130333"/>
-                </a:cubicBezTo>
-                <a:close/>
-              </a:path>
-            </a:pathLst>
-          </a:custGeom>
-          <a:ln w="9525">
-            <a:noFill/>
-          </a:ln>
-          <a:effectLst/>
-        </p:spPr>
-        <p:style>
-          <a:lnRef idx="2">
-            <a:schemeClr val="accent1">
-              <a:shade val="50000"/>
-            </a:schemeClr>
-          </a:lnRef>
-          <a:fillRef idx="1">
-            <a:schemeClr val="accent1"/>
-          </a:fillRef>
-          <a:effectRef idx="0">
-            <a:schemeClr val="accent1"/>
-          </a:effectRef>
-          <a:fontRef idx="minor">
-            <a:schemeClr val="lt1"/>
-          </a:fontRef>
-        </p:style>
-        <p:txBody>
-          <a:bodyPr wrap="square" rtlCol="0" anchor="ctr">
-            <a:noAutofit/>
-          </a:bodyPr>
-          <a:lstStyle/>
-          <a:p>
-            <a:pPr marL="0" marR="0" lvl="0" indent="0" algn="ctr" defTabSz="914400" rtl="0" eaLnBrk="1" fontAlgn="auto" latinLnBrk="0" hangingPunct="1">
-              <a:lnSpc>
-                <a:spcPct val="100000"/>
-              </a:lnSpc>
-              <a:spcBef>
-                <a:spcPts val="0"/>
-              </a:spcBef>
-              <a:spcAft>
-                <a:spcPts val="0"/>
-              </a:spcAft>
-              <a:buClrTx/>
-              <a:buSzTx/>
-              <a:buFontTx/>
-              <a:buNone/>
-              <a:tabLst/>
-              <a:defRPr/>
-            </a:pPr>
-            <a:endParaRPr kumimoji="0" lang="en-US" sz="1800" b="0" i="0" u="none" strike="noStrike" kern="1200" cap="none" spc="0" normalizeH="0" baseline="0" noProof="0">
-              <a:ln>
-                <a:noFill/>
-              </a:ln>
-              <a:solidFill>
-                <a:prstClr val="white"/>
-              </a:solidFill>
-              <a:effectLst/>
-              <a:uLnTx/>
-              <a:uFillTx/>
-              <a:latin typeface="Calibri" panose="020F0502020204030204"/>
-              <a:ea typeface="+mn-ea"/>
-              <a:cs typeface="+mn-cs"/>
-            </a:endParaRPr>
-          </a:p>
-        </p:txBody>
-      </p:sp>
-      <p:sp>
-        <p:nvSpPr>
-          <p:cNvPr id="2" name="Title 1">
-            <a:extLst>
-              <a:ext uri="{FF2B5EF4-FFF2-40B4-BE49-F238E27FC236}">
-                <a16:creationId xmlns:a16="http://schemas.microsoft.com/office/drawing/2014/main" id="{580CD673-4F1D-34AF-5596-B36FE7D40936}"/>
-              </a:ext>
-            </a:extLst>
-          </p:cNvPr>
-          <p:cNvSpPr>
-            <a:spLocks noGrp="1"/>
-          </p:cNvSpPr>
-          <p:nvPr>
-            <p:ph type="title"/>
-          </p:nvPr>
-        </p:nvSpPr>
-        <p:spPr>
-          <a:xfrm>
-            <a:off x="1571628" y="2047240"/>
-            <a:ext cx="9144000" cy="2764028"/>
-          </a:xfrm>
-        </p:spPr>
-        <p:txBody>
-          <a:bodyPr vert="horz" lIns="91440" tIns="45720" rIns="91440" bIns="45720" rtlCol="0" anchor="ctr">
-            <a:normAutofit/>
-          </a:bodyPr>
-          <a:lstStyle/>
-          <a:p>
-            <a:pPr algn="ctr"/>
-            <a:r>
-              <a:rPr lang="en-US" sz="5400" dirty="0">
-                <a:solidFill>
-                  <a:schemeClr val="accent1"/>
-                </a:solidFill>
-                <a:latin typeface="Berlin Sans FB Demi"/>
-              </a:rPr>
-              <a:t>Thank you</a:t>
-            </a:r>
-            <a:endParaRPr lang="en-US" sz="5400" kern="1200" dirty="0">
-              <a:solidFill>
-                <a:schemeClr val="accent1"/>
-              </a:solidFill>
-              <a:latin typeface="Berlin Sans FB Demi"/>
-            </a:endParaRPr>
-          </a:p>
-        </p:txBody>
-      </p:sp>
-      <p:sp>
-        <p:nvSpPr>
-          <p:cNvPr id="17" name="Rectangle 16">
-            <a:extLst>
-              <a:ext uri="{FF2B5EF4-FFF2-40B4-BE49-F238E27FC236}">
-                <a16:creationId xmlns:a16="http://schemas.microsoft.com/office/drawing/2014/main" id="{3629484E-3792-4B3D-89AD-7C8A1ED0E0D4}"/>
-              </a:ext>
-              <a:ext uri="{C183D7F6-B498-43B3-948B-1728B52AA6E4}">
-                <adec:decorative xmlns:adec="http://schemas.microsoft.com/office/drawing/2017/decorative" val="1"/>
-              </a:ext>
-            </a:extLst>
-          </p:cNvPr>
-          <p:cNvSpPr>
-            <a:spLocks noGrp="1" noRot="1" noChangeAspect="1" noMove="1" noResize="1" noEditPoints="1" noAdjustHandles="1" noChangeArrowheads="1" noChangeShapeType="1" noTextEdit="1"/>
-          </p:cNvSpPr>
-          <p:nvPr>
-            <p:extLst>
-              <p:ext uri="{386F3935-93C4-4BCD-93E2-E3B085C9AB24}">
-                <p16:designElem xmlns:p16="http://schemas.microsoft.com/office/powerpoint/2015/main" val="1"/>
-              </p:ext>
-            </p:extLst>
-          </p:nvPr>
-        </p:nvSpPr>
-        <p:spPr>
-          <a:xfrm>
-            <a:off x="3718560" y="5524786"/>
-            <a:ext cx="4754880" cy="27432"/>
-          </a:xfrm>
-          <a:prstGeom prst="rect">
-            <a:avLst/>
-          </a:prstGeom>
-          <a:solidFill>
-            <a:schemeClr val="accent2"/>
-          </a:solidFill>
-          <a:ln>
-            <a:noFill/>
-          </a:ln>
-        </p:spPr>
-        <p:style>
-          <a:lnRef idx="2">
-            <a:schemeClr val="accent1">
-              <a:shade val="50000"/>
-            </a:schemeClr>
-          </a:lnRef>
-          <a:fillRef idx="1">
-            <a:schemeClr val="accent1"/>
-          </a:fillRef>
-          <a:effectRef idx="0">
-            <a:schemeClr val="accent1"/>
-          </a:effectRef>
-          <a:fontRef idx="minor">
-            <a:schemeClr val="lt1"/>
-          </a:fontRef>
-        </p:style>
-        <p:txBody>
-          <a:bodyPr rtlCol="0" anchor="ctr"/>
-          <a:lstStyle/>
-          <a:p>
-            <a:pPr marL="0" marR="0" lvl="0" indent="0" algn="ctr" defTabSz="914400" rtl="0" eaLnBrk="1" fontAlgn="auto" latinLnBrk="0" hangingPunct="1">
-              <a:lnSpc>
-                <a:spcPct val="100000"/>
-              </a:lnSpc>
-              <a:spcBef>
-                <a:spcPts val="0"/>
-              </a:spcBef>
-              <a:spcAft>
-                <a:spcPts val="0"/>
-              </a:spcAft>
-              <a:buClrTx/>
-              <a:buSzTx/>
-              <a:buFontTx/>
-              <a:buNone/>
-              <a:tabLst/>
-              <a:defRPr/>
-            </a:pPr>
-            <a:endParaRPr kumimoji="0" lang="en-US" sz="1800" b="0" i="0" u="none" strike="noStrike" kern="1200" cap="none" spc="0" normalizeH="0" baseline="0" noProof="0">
-              <a:ln>
-                <a:noFill/>
-              </a:ln>
-              <a:solidFill>
-                <a:prstClr val="white"/>
-              </a:solidFill>
-              <a:effectLst/>
-              <a:uLnTx/>
-              <a:uFillTx/>
-              <a:latin typeface="Calibri" panose="020F0502020204030204"/>
-              <a:ea typeface="+mn-ea"/>
-              <a:cs typeface="+mn-cs"/>
-            </a:endParaRPr>
-          </a:p>
-        </p:txBody>
-      </p:sp>
-      <p:sp>
-        <p:nvSpPr>
-          <p:cNvPr id="4" name="Slide Number Placeholder 3">
-            <a:extLst>
-              <a:ext uri="{FF2B5EF4-FFF2-40B4-BE49-F238E27FC236}">
-                <a16:creationId xmlns:a16="http://schemas.microsoft.com/office/drawing/2014/main" id="{8168DA94-18ED-09D1-8C80-A6B8EFB4493B}"/>
-              </a:ext>
-            </a:extLst>
-          </p:cNvPr>
-          <p:cNvSpPr>
-            <a:spLocks noGrp="1"/>
-          </p:cNvSpPr>
-          <p:nvPr>
-            <p:ph type="sldNum" sz="quarter" idx="12"/>
-          </p:nvPr>
-        </p:nvSpPr>
-        <p:spPr>
-          <a:xfrm>
-            <a:off x="10489019" y="6356350"/>
-            <a:ext cx="1268818" cy="365125"/>
-          </a:xfrm>
-        </p:spPr>
-        <p:txBody>
-          <a:bodyPr vert="horz" lIns="91440" tIns="45720" rIns="91440" bIns="45720" rtlCol="0" anchor="ctr">
-            <a:normAutofit/>
-          </a:bodyPr>
-          <a:lstStyle/>
-          <a:p>
-            <a:pPr>
-              <a:spcAft>
-                <a:spcPts val="600"/>
-              </a:spcAft>
-            </a:pPr>
-            <a:fld id="{EC49354C-F492-4FD2-B82F-290D7D04AAC5}" type="slidenum">
-              <a:rPr lang="en-US">
-                <a:solidFill>
-                  <a:schemeClr val="tx1">
-                    <a:lumMod val="50000"/>
-                    <a:lumOff val="50000"/>
-                  </a:schemeClr>
-                </a:solidFill>
-              </a:rPr>
-              <a:pPr>
-                <a:spcAft>
-                  <a:spcPts val="600"/>
-                </a:spcAft>
-              </a:pPr>
-              <a:t>9</a:t>
-            </a:fld>
-            <a:endParaRPr lang="en-US">
-              <a:solidFill>
-                <a:schemeClr val="tx1">
-                  <a:lumMod val="50000"/>
-                  <a:lumOff val="50000"/>
-                </a:schemeClr>
-              </a:solidFill>
-            </a:endParaRPr>
-          </a:p>
-        </p:txBody>
-      </p:sp>
-      <p:pic>
-        <p:nvPicPr>
-          <p:cNvPr id="6" name="Grafik 4" descr="Ein Bild, das Logo enthält.&#10;&#10;Beschreibung automatisch generiert.">
-            <a:extLst>
-              <a:ext uri="{FF2B5EF4-FFF2-40B4-BE49-F238E27FC236}">
-                <a16:creationId xmlns:a16="http://schemas.microsoft.com/office/drawing/2014/main" id="{5BA1F6EF-0ADC-2290-8834-2234DD8E430A}"/>
-              </a:ext>
-            </a:extLst>
-          </p:cNvPr>
-          <p:cNvPicPr>
-            <a:picLocks noChangeAspect="1"/>
-          </p:cNvPicPr>
-          <p:nvPr/>
-        </p:nvPicPr>
-        <p:blipFill>
-          <a:blip r:embed="rId2"/>
-          <a:stretch>
-            <a:fillRect/>
-          </a:stretch>
-        </p:blipFill>
-        <p:spPr>
-          <a:xfrm>
-            <a:off x="10846593" y="454818"/>
-            <a:ext cx="1000125" cy="638175"/>
-          </a:xfrm>
-          <a:prstGeom prst="rect">
-            <a:avLst/>
-          </a:prstGeom>
-        </p:spPr>
-      </p:pic>
-    </p:spTree>
-    <p:extLst>
-      <p:ext uri="{BB962C8B-B14F-4D97-AF65-F5344CB8AC3E}">
-        <p14:creationId xmlns:p14="http://schemas.microsoft.com/office/powerpoint/2010/main" val="469236883"/>
       </p:ext>
     </p:extLst>
   </p:cSld>
